--- a/Documentacion/PresentaciónServirep.pptx
+++ b/Documentacion/PresentaciónServirep.pptx
@@ -11,12 +11,14 @@
     <p:sldId id="260" r:id="rId5"/>
     <p:sldId id="261" r:id="rId6"/>
     <p:sldId id="259" r:id="rId7"/>
-    <p:sldId id="262" r:id="rId8"/>
-    <p:sldId id="263" r:id="rId9"/>
-    <p:sldId id="264" r:id="rId10"/>
-    <p:sldId id="265" r:id="rId11"/>
-    <p:sldId id="266" r:id="rId12"/>
-    <p:sldId id="267" r:id="rId13"/>
+    <p:sldId id="263" r:id="rId8"/>
+    <p:sldId id="264" r:id="rId9"/>
+    <p:sldId id="262" r:id="rId10"/>
+    <p:sldId id="268" r:id="rId11"/>
+    <p:sldId id="265" r:id="rId12"/>
+    <p:sldId id="266" r:id="rId13"/>
+    <p:sldId id="269" r:id="rId14"/>
+    <p:sldId id="267" r:id="rId15"/>
   </p:sldIdLst>
   <p:sldSz cx="12192000" cy="6858000"/>
   <p:notesSz cx="6858000" cy="9144000"/>
@@ -6140,12 +6142,7 @@
             <p:ph type="title"/>
           </p:nvPr>
         </p:nvSpPr>
-        <p:spPr>
-          <a:xfrm>
-            <a:off x="3679152" y="325560"/>
-            <a:ext cx="8596668" cy="1320800"/>
-          </a:xfrm>
-        </p:spPr>
+        <p:spPr/>
         <p:txBody>
           <a:bodyPr/>
           <a:lstStyle/>
@@ -6159,29 +6156,7 @@
                   </a:schemeClr>
                 </a:solidFill>
               </a:rPr>
-              <a:t>Entorno </a:t>
-            </a:r>
-            <a:r>
-              <a:rPr lang="es-ES" dirty="0" err="1">
-                <a:solidFill>
-                  <a:schemeClr val="tx2">
-                    <a:lumMod val="60000"/>
-                    <a:lumOff val="40000"/>
-                  </a:schemeClr>
-                </a:solidFill>
-              </a:rPr>
-              <a:t>D</a:t>
-            </a:r>
-            <a:r>
-              <a:rPr lang="es-ES" dirty="0" err="1" smtClean="0">
-                <a:solidFill>
-                  <a:schemeClr val="tx2">
-                    <a:lumMod val="60000"/>
-                    <a:lumOff val="40000"/>
-                  </a:schemeClr>
-                </a:solidFill>
-              </a:rPr>
-              <a:t>ockerizado</a:t>
+              <a:t>Pruebas</a:t>
             </a:r>
             <a:endParaRPr lang="es-ES" dirty="0">
               <a:solidFill>
@@ -6194,234 +6169,372 @@
           </a:p>
         </p:txBody>
       </p:sp>
-      <p:pic>
-        <p:nvPicPr>
-          <p:cNvPr id="4" name="Picture 10" descr="Docker Logos | Docker"/>
-          <p:cNvPicPr>
-            <a:picLocks noChangeAspect="1" noChangeArrowheads="1"/>
-          </p:cNvPicPr>
-          <p:nvPr/>
-        </p:nvPicPr>
-        <p:blipFill>
-          <a:blip r:embed="rId2" cstate="print">
-            <a:extLst>
-              <a:ext uri="{28A0092B-C50C-407E-A947-70E740481C1C}">
-                <a14:useLocalDpi xmlns:a14="http://schemas.microsoft.com/office/drawing/2010/main" val="0"/>
-              </a:ext>
-            </a:extLst>
-          </a:blip>
-          <a:srcRect/>
-          <a:stretch>
-            <a:fillRect/>
-          </a:stretch>
-        </p:blipFill>
-        <p:spPr bwMode="auto">
-          <a:xfrm>
-            <a:off x="4307705" y="1315718"/>
-            <a:ext cx="2988387" cy="2556933"/>
-          </a:xfrm>
-          <a:prstGeom prst="rect">
-            <a:avLst/>
-          </a:prstGeom>
-          <a:noFill/>
-          <a:extLst>
-            <a:ext uri="{909E8E84-426E-40DD-AFC4-6F175D3DCCD1}">
-              <a14:hiddenFill xmlns:a14="http://schemas.microsoft.com/office/drawing/2010/main">
-                <a:solidFill>
-                  <a:srgbClr val="FFFFFF"/>
-                </a:solidFill>
-              </a14:hiddenFill>
-            </a:ext>
-          </a:extLst>
-        </p:spPr>
-      </p:pic>
-      <p:pic>
-        <p:nvPicPr>
-          <p:cNvPr id="5" name="Picture 12" descr="JBoss.org UI Design"/>
-          <p:cNvPicPr>
-            <a:picLocks noChangeAspect="1" noChangeArrowheads="1"/>
-          </p:cNvPicPr>
-          <p:nvPr/>
-        </p:nvPicPr>
-        <p:blipFill>
-          <a:blip r:embed="rId3" cstate="print">
-            <a:extLst>
-              <a:ext uri="{28A0092B-C50C-407E-A947-70E740481C1C}">
-                <a14:useLocalDpi xmlns:a14="http://schemas.microsoft.com/office/drawing/2010/main" val="0"/>
-              </a:ext>
-            </a:extLst>
-          </a:blip>
-          <a:srcRect/>
-          <a:stretch>
-            <a:fillRect/>
-          </a:stretch>
-        </p:blipFill>
-        <p:spPr bwMode="auto">
-          <a:xfrm>
-            <a:off x="4559065" y="4955454"/>
-            <a:ext cx="1849204" cy="1386903"/>
-          </a:xfrm>
-          <a:prstGeom prst="rect">
-            <a:avLst/>
-          </a:prstGeom>
-          <a:noFill/>
-          <a:extLst>
-            <a:ext uri="{909E8E84-426E-40DD-AFC4-6F175D3DCCD1}">
-              <a14:hiddenFill xmlns:a14="http://schemas.microsoft.com/office/drawing/2010/main">
-                <a:solidFill>
-                  <a:srgbClr val="FFFFFF"/>
-                </a:solidFill>
-              </a14:hiddenFill>
-            </a:ext>
-          </a:extLst>
-        </p:spPr>
-      </p:pic>
-      <p:pic>
-        <p:nvPicPr>
-          <p:cNvPr id="6" name="Picture 14" descr="Compilando NGINX con modulos adicionales | Sysadmins de Cuba"/>
-          <p:cNvPicPr>
-            <a:picLocks noChangeAspect="1" noChangeArrowheads="1"/>
-          </p:cNvPicPr>
-          <p:nvPr/>
-        </p:nvPicPr>
-        <p:blipFill>
-          <a:blip r:embed="rId4">
-            <a:extLst>
-              <a:ext uri="{28A0092B-C50C-407E-A947-70E740481C1C}">
-                <a14:useLocalDpi xmlns:a14="http://schemas.microsoft.com/office/drawing/2010/main" val="0"/>
-              </a:ext>
-            </a:extLst>
-          </a:blip>
-          <a:srcRect/>
-          <a:stretch>
-            <a:fillRect/>
-          </a:stretch>
-        </p:blipFill>
-        <p:spPr bwMode="auto">
-          <a:xfrm>
-            <a:off x="1725317" y="4266458"/>
-            <a:ext cx="1661405" cy="1661405"/>
-          </a:xfrm>
-          <a:prstGeom prst="rect">
-            <a:avLst/>
-          </a:prstGeom>
-          <a:noFill/>
-          <a:extLst>
-            <a:ext uri="{909E8E84-426E-40DD-AFC4-6F175D3DCCD1}">
-              <a14:hiddenFill xmlns:a14="http://schemas.microsoft.com/office/drawing/2010/main">
-                <a:solidFill>
-                  <a:srgbClr val="FFFFFF"/>
-                </a:solidFill>
-              </a14:hiddenFill>
-            </a:ext>
-          </a:extLst>
-        </p:spPr>
-      </p:pic>
-      <p:pic>
-        <p:nvPicPr>
-          <p:cNvPr id="7" name="Imagen 6"/>
-          <p:cNvPicPr>
-            <a:picLocks noChangeAspect="1"/>
-          </p:cNvPicPr>
-          <p:nvPr/>
-        </p:nvPicPr>
-        <p:blipFill>
-          <a:blip r:embed="rId5">
-            <a:extLst>
-              <a:ext uri="{28A0092B-C50C-407E-A947-70E740481C1C}">
-                <a14:useLocalDpi xmlns:a14="http://schemas.microsoft.com/office/drawing/2010/main" val="0"/>
-              </a:ext>
-            </a:extLst>
-          </a:blip>
-          <a:stretch>
-            <a:fillRect/>
-          </a:stretch>
-        </p:blipFill>
+      <p:sp>
+        <p:nvSpPr>
+          <p:cNvPr id="3" name="Marcador de contenido 2"/>
+          <p:cNvSpPr>
+            <a:spLocks noGrp="1"/>
+          </p:cNvSpPr>
+          <p:nvPr>
+            <p:ph idx="1"/>
+          </p:nvPr>
+        </p:nvSpPr>
         <p:spPr>
           <a:xfrm>
-            <a:off x="159621" y="1796131"/>
-            <a:ext cx="3131392" cy="2076520"/>
-          </a:xfrm>
-          <a:prstGeom prst="rect">
-            <a:avLst/>
-          </a:prstGeom>
-        </p:spPr>
-      </p:pic>
-      <p:pic>
-        <p:nvPicPr>
-          <p:cNvPr id="3076" name="Picture 4" descr="Install and Secure phpMyAdmin on Ubuntu 16.04 VPS | LaptrinhX"/>
-          <p:cNvPicPr>
-            <a:picLocks noChangeAspect="1" noChangeArrowheads="1"/>
-          </p:cNvPicPr>
-          <p:nvPr/>
-        </p:nvPicPr>
-        <p:blipFill>
-          <a:blip r:embed="rId6" cstate="print">
-            <a:extLst>
-              <a:ext uri="{28A0092B-C50C-407E-A947-70E740481C1C}">
-                <a14:useLocalDpi xmlns:a14="http://schemas.microsoft.com/office/drawing/2010/main" val="0"/>
-              </a:ext>
-            </a:extLst>
-          </a:blip>
-          <a:srcRect/>
-          <a:stretch>
-            <a:fillRect/>
-          </a:stretch>
-        </p:blipFill>
-        <p:spPr bwMode="auto">
-          <a:xfrm>
-            <a:off x="7296092" y="4290688"/>
-            <a:ext cx="3732759" cy="1637175"/>
-          </a:xfrm>
-          <a:prstGeom prst="rect">
-            <a:avLst/>
-          </a:prstGeom>
-          <a:noFill/>
-          <a:extLst>
-            <a:ext uri="{909E8E84-426E-40DD-AFC4-6F175D3DCCD1}">
-              <a14:hiddenFill xmlns:a14="http://schemas.microsoft.com/office/drawing/2010/main">
-                <a:solidFill>
-                  <a:srgbClr val="FFFFFF"/>
-                </a:solidFill>
-              </a14:hiddenFill>
-            </a:ext>
-          </a:extLst>
-        </p:spPr>
-      </p:pic>
-      <p:pic>
-        <p:nvPicPr>
-          <p:cNvPr id="8" name="Imagen 7"/>
-          <p:cNvPicPr>
-            <a:picLocks noChangeAspect="1"/>
-          </p:cNvPicPr>
-          <p:nvPr/>
-        </p:nvPicPr>
-        <p:blipFill>
-          <a:blip r:embed="rId7" cstate="print">
-            <a:extLst>
-              <a:ext uri="{28A0092B-C50C-407E-A947-70E740481C1C}">
-                <a14:useLocalDpi xmlns:a14="http://schemas.microsoft.com/office/drawing/2010/main" val="0"/>
-              </a:ext>
-            </a:extLst>
-          </a:blip>
-          <a:stretch>
-            <a:fillRect/>
-          </a:stretch>
-        </p:blipFill>
-        <p:spPr>
-          <a:xfrm>
-            <a:off x="8852645" y="1557198"/>
-            <a:ext cx="2073974" cy="2073974"/>
-          </a:xfrm>
-          <a:prstGeom prst="rect">
-            <a:avLst/>
-          </a:prstGeom>
-        </p:spPr>
-      </p:pic>
+            <a:off x="677334" y="1492373"/>
+            <a:ext cx="9389858" cy="4706203"/>
+          </a:xfrm>
+        </p:spPr>
+        <p:txBody>
+          <a:bodyPr>
+            <a:normAutofit lnSpcReduction="10000"/>
+          </a:bodyPr>
+          <a:lstStyle/>
+          <a:p>
+            <a:pPr marL="0" indent="0">
+              <a:buNone/>
+            </a:pPr>
+            <a:r>
+              <a:rPr lang="es-ES" dirty="0" smtClean="0">
+                <a:solidFill>
+                  <a:schemeClr val="tx2">
+                    <a:lumMod val="60000"/>
+                    <a:lumOff val="40000"/>
+                  </a:schemeClr>
+                </a:solidFill>
+              </a:rPr>
+              <a:t>Se ha llevado a cabo un plan de pruebas funcionales a medida que se desarrollaba el proyecto.</a:t>
+            </a:r>
+          </a:p>
+          <a:p>
+            <a:pPr marL="0" indent="0">
+              <a:buNone/>
+            </a:pPr>
+            <a:r>
+              <a:rPr lang="es-ES" dirty="0" smtClean="0">
+                <a:solidFill>
+                  <a:schemeClr val="tx2">
+                    <a:lumMod val="60000"/>
+                    <a:lumOff val="40000"/>
+                  </a:schemeClr>
+                </a:solidFill>
+              </a:rPr>
+              <a:t>Ejemplo:</a:t>
+            </a:r>
+            <a:endParaRPr lang="es-ES" dirty="0">
+              <a:solidFill>
+                <a:schemeClr val="tx2">
+                  <a:lumMod val="60000"/>
+                  <a:lumOff val="40000"/>
+                </a:schemeClr>
+              </a:solidFill>
+            </a:endParaRPr>
+          </a:p>
+          <a:p>
+            <a:pPr marL="0" indent="0">
+              <a:buNone/>
+            </a:pPr>
+            <a:endParaRPr lang="es-ES" dirty="0" smtClean="0">
+              <a:solidFill>
+                <a:schemeClr val="tx2">
+                  <a:lumMod val="60000"/>
+                  <a:lumOff val="40000"/>
+                </a:schemeClr>
+              </a:solidFill>
+            </a:endParaRPr>
+          </a:p>
+          <a:p>
+            <a:pPr marL="0" indent="0">
+              <a:buNone/>
+            </a:pPr>
+            <a:r>
+              <a:rPr lang="es-ES" sz="1300" dirty="0">
+                <a:solidFill>
+                  <a:schemeClr val="tx2">
+                    <a:lumMod val="60000"/>
+                    <a:lumOff val="40000"/>
+                  </a:schemeClr>
+                </a:solidFill>
+              </a:rPr>
+              <a:t>•	Log in</a:t>
+            </a:r>
+            <a:r>
+              <a:rPr lang="es-ES" sz="1300" dirty="0" smtClean="0">
+                <a:solidFill>
+                  <a:schemeClr val="tx2">
+                    <a:lumMod val="60000"/>
+                    <a:lumOff val="40000"/>
+                  </a:schemeClr>
+                </a:solidFill>
+              </a:rPr>
+              <a:t>:</a:t>
+            </a:r>
+            <a:endParaRPr lang="es-ES" sz="1300" dirty="0">
+              <a:solidFill>
+                <a:schemeClr val="tx2">
+                  <a:lumMod val="60000"/>
+                  <a:lumOff val="40000"/>
+                </a:schemeClr>
+              </a:solidFill>
+            </a:endParaRPr>
+          </a:p>
+          <a:p>
+            <a:pPr marL="0" indent="0">
+              <a:buNone/>
+            </a:pPr>
+            <a:r>
+              <a:rPr lang="es-ES" sz="1300" dirty="0" smtClean="0">
+                <a:solidFill>
+                  <a:schemeClr val="tx2">
+                    <a:lumMod val="60000"/>
+                    <a:lumOff val="40000"/>
+                  </a:schemeClr>
+                </a:solidFill>
+              </a:rPr>
+              <a:t>	o</a:t>
+            </a:r>
+            <a:r>
+              <a:rPr lang="es-ES" sz="1300" dirty="0">
+                <a:solidFill>
+                  <a:schemeClr val="tx2">
+                    <a:lumMod val="60000"/>
+                    <a:lumOff val="40000"/>
+                  </a:schemeClr>
+                </a:solidFill>
+              </a:rPr>
+              <a:t>	Introducir usuario incorrecto, contraseña incorrecta y comprobar que no realiza el inicio de sesión con una ventana emergente “Correo o contraseña incorrectos”.</a:t>
+            </a:r>
+          </a:p>
+          <a:p>
+            <a:pPr marL="0" indent="0">
+              <a:buNone/>
+            </a:pPr>
+            <a:r>
+              <a:rPr lang="es-ES" sz="1300" dirty="0" smtClean="0">
+                <a:solidFill>
+                  <a:schemeClr val="tx2">
+                    <a:lumMod val="60000"/>
+                    <a:lumOff val="40000"/>
+                  </a:schemeClr>
+                </a:solidFill>
+              </a:rPr>
+              <a:t>	o</a:t>
+            </a:r>
+            <a:r>
+              <a:rPr lang="es-ES" sz="1300" dirty="0">
+                <a:solidFill>
+                  <a:schemeClr val="tx2">
+                    <a:lumMod val="60000"/>
+                    <a:lumOff val="40000"/>
+                  </a:schemeClr>
+                </a:solidFill>
+              </a:rPr>
+              <a:t>	Introducir usuario incorrecto, contraseña correcta y comprobar que no realiza el inicio de sesión con una ventana emergente “Correo o contraseña incorrectos”.</a:t>
+            </a:r>
+          </a:p>
+          <a:p>
+            <a:pPr marL="0" indent="0">
+              <a:buNone/>
+            </a:pPr>
+            <a:r>
+              <a:rPr lang="es-ES" sz="1300" dirty="0" smtClean="0">
+                <a:solidFill>
+                  <a:schemeClr val="tx2">
+                    <a:lumMod val="60000"/>
+                    <a:lumOff val="40000"/>
+                  </a:schemeClr>
+                </a:solidFill>
+              </a:rPr>
+              <a:t>	o</a:t>
+            </a:r>
+            <a:r>
+              <a:rPr lang="es-ES" sz="1300" dirty="0">
+                <a:solidFill>
+                  <a:schemeClr val="tx2">
+                    <a:lumMod val="60000"/>
+                    <a:lumOff val="40000"/>
+                  </a:schemeClr>
+                </a:solidFill>
+              </a:rPr>
+              <a:t>	Introducir usuario correcto, contraseña incorrecta y comprobar que no realiza el inicio de sesión con una ventana emergente “Correo o contraseña incorrectos”.</a:t>
+            </a:r>
+          </a:p>
+          <a:p>
+            <a:pPr marL="0" indent="0">
+              <a:buNone/>
+            </a:pPr>
+            <a:r>
+              <a:rPr lang="es-ES" sz="1300" dirty="0" smtClean="0">
+                <a:solidFill>
+                  <a:schemeClr val="tx2">
+                    <a:lumMod val="60000"/>
+                    <a:lumOff val="40000"/>
+                  </a:schemeClr>
+                </a:solidFill>
+              </a:rPr>
+              <a:t>	o</a:t>
+            </a:r>
+            <a:r>
+              <a:rPr lang="es-ES" sz="1300" dirty="0">
+                <a:solidFill>
+                  <a:schemeClr val="tx2">
+                    <a:lumMod val="60000"/>
+                    <a:lumOff val="40000"/>
+                  </a:schemeClr>
+                </a:solidFill>
+              </a:rPr>
+              <a:t>	Introducir usuario correcto, contraseña correcta y comprobar que  realiza el inicio de sesión con una ventana emergente “</a:t>
+            </a:r>
+            <a:r>
+              <a:rPr lang="es-ES" sz="1300" dirty="0" err="1">
+                <a:solidFill>
+                  <a:schemeClr val="tx2">
+                    <a:lumMod val="60000"/>
+                    <a:lumOff val="40000"/>
+                  </a:schemeClr>
+                </a:solidFill>
+              </a:rPr>
+              <a:t>Logeado</a:t>
+            </a:r>
+            <a:r>
+              <a:rPr lang="es-ES" sz="1300" dirty="0">
+                <a:solidFill>
+                  <a:schemeClr val="tx2">
+                    <a:lumMod val="60000"/>
+                    <a:lumOff val="40000"/>
+                  </a:schemeClr>
+                </a:solidFill>
+              </a:rPr>
+              <a:t> con éxito</a:t>
+            </a:r>
+            <a:r>
+              <a:rPr lang="es-ES" sz="1300" dirty="0" smtClean="0">
+                <a:solidFill>
+                  <a:schemeClr val="tx2">
+                    <a:lumMod val="60000"/>
+                    <a:lumOff val="40000"/>
+                  </a:schemeClr>
+                </a:solidFill>
+              </a:rPr>
+              <a:t>”.</a:t>
+            </a:r>
+          </a:p>
+          <a:p>
+            <a:pPr marL="0" indent="0">
+              <a:buNone/>
+            </a:pPr>
+            <a:r>
+              <a:rPr lang="es-ES" sz="1300" dirty="0" smtClean="0">
+                <a:solidFill>
+                  <a:schemeClr val="tx2">
+                    <a:lumMod val="60000"/>
+                    <a:lumOff val="40000"/>
+                  </a:schemeClr>
+                </a:solidFill>
+              </a:rPr>
+              <a:t>	o</a:t>
+            </a:r>
+            <a:r>
+              <a:rPr lang="es-ES" sz="1300" dirty="0">
+                <a:solidFill>
+                  <a:schemeClr val="tx2">
+                    <a:lumMod val="60000"/>
+                    <a:lumOff val="40000"/>
+                  </a:schemeClr>
+                </a:solidFill>
+              </a:rPr>
+              <a:t>	</a:t>
+            </a:r>
+            <a:r>
+              <a:rPr lang="es-ES" sz="1300" dirty="0" smtClean="0">
+                <a:solidFill>
+                  <a:schemeClr val="tx2">
+                    <a:lumMod val="60000"/>
+                    <a:lumOff val="40000"/>
+                  </a:schemeClr>
+                </a:solidFill>
+              </a:rPr>
+              <a:t>Comprobar validaciones.</a:t>
+            </a:r>
+            <a:endParaRPr lang="es-ES" sz="1300" dirty="0">
+              <a:solidFill>
+                <a:schemeClr val="tx2">
+                  <a:lumMod val="60000"/>
+                  <a:lumOff val="40000"/>
+                </a:schemeClr>
+              </a:solidFill>
+            </a:endParaRPr>
+          </a:p>
+          <a:p>
+            <a:pPr marL="0" indent="0">
+              <a:buNone/>
+            </a:pPr>
+            <a:endParaRPr lang="es-ES" sz="1300" dirty="0">
+              <a:solidFill>
+                <a:schemeClr val="tx2">
+                  <a:lumMod val="60000"/>
+                  <a:lumOff val="40000"/>
+                </a:schemeClr>
+              </a:solidFill>
+            </a:endParaRPr>
+          </a:p>
+          <a:p>
+            <a:pPr marL="0" indent="0">
+              <a:buNone/>
+            </a:pPr>
+            <a:r>
+              <a:rPr lang="es-ES" sz="1300" dirty="0">
+                <a:solidFill>
+                  <a:schemeClr val="tx2">
+                    <a:lumMod val="60000"/>
+                    <a:lumOff val="40000"/>
+                  </a:schemeClr>
+                </a:solidFill>
+              </a:rPr>
+              <a:t>•	Comprobar que al desconectarme se limpia la </a:t>
+            </a:r>
+            <a:r>
+              <a:rPr lang="es-ES" sz="1300" dirty="0" err="1">
+                <a:solidFill>
+                  <a:schemeClr val="tx2">
+                    <a:lumMod val="60000"/>
+                    <a:lumOff val="40000"/>
+                  </a:schemeClr>
+                </a:solidFill>
+              </a:rPr>
+              <a:t>sessionStorage</a:t>
+            </a:r>
+            <a:r>
+              <a:rPr lang="es-ES" sz="1300" dirty="0">
+                <a:solidFill>
+                  <a:schemeClr val="tx2">
+                    <a:lumMod val="60000"/>
+                    <a:lumOff val="40000"/>
+                  </a:schemeClr>
+                </a:solidFill>
+              </a:rPr>
+              <a:t> y nos envía a la página home.</a:t>
+            </a:r>
+          </a:p>
+          <a:p>
+            <a:pPr marL="0" indent="0">
+              <a:buNone/>
+            </a:pPr>
+            <a:endParaRPr lang="es-ES" dirty="0">
+              <a:solidFill>
+                <a:schemeClr val="tx2">
+                  <a:lumMod val="60000"/>
+                  <a:lumOff val="40000"/>
+                </a:schemeClr>
+              </a:solidFill>
+            </a:endParaRPr>
+          </a:p>
+        </p:txBody>
+      </p:sp>
     </p:spTree>
     <p:extLst>
       <p:ext uri="{BB962C8B-B14F-4D97-AF65-F5344CB8AC3E}">
-        <p14:creationId xmlns:p14="http://schemas.microsoft.com/office/powerpoint/2010/main" val="3822001676"/>
+        <p14:creationId xmlns:p14="http://schemas.microsoft.com/office/powerpoint/2010/main" val="497298931"/>
       </p:ext>
     </p:extLst>
   </p:cSld>
@@ -6467,6 +6580,331 @@
         </p:nvSpPr>
         <p:spPr>
           <a:xfrm>
+            <a:off x="3679152" y="325560"/>
+            <a:ext cx="8596668" cy="1320800"/>
+          </a:xfrm>
+        </p:spPr>
+        <p:txBody>
+          <a:bodyPr/>
+          <a:lstStyle/>
+          <a:p>
+            <a:r>
+              <a:rPr lang="es-ES" dirty="0" smtClean="0">
+                <a:solidFill>
+                  <a:schemeClr val="tx2">
+                    <a:lumMod val="60000"/>
+                    <a:lumOff val="40000"/>
+                  </a:schemeClr>
+                </a:solidFill>
+              </a:rPr>
+              <a:t>Entorno </a:t>
+            </a:r>
+            <a:r>
+              <a:rPr lang="es-ES" dirty="0" err="1">
+                <a:solidFill>
+                  <a:schemeClr val="tx2">
+                    <a:lumMod val="60000"/>
+                    <a:lumOff val="40000"/>
+                  </a:schemeClr>
+                </a:solidFill>
+              </a:rPr>
+              <a:t>D</a:t>
+            </a:r>
+            <a:r>
+              <a:rPr lang="es-ES" dirty="0" err="1" smtClean="0">
+                <a:solidFill>
+                  <a:schemeClr val="tx2">
+                    <a:lumMod val="60000"/>
+                    <a:lumOff val="40000"/>
+                  </a:schemeClr>
+                </a:solidFill>
+              </a:rPr>
+              <a:t>ockerizado</a:t>
+            </a:r>
+            <a:endParaRPr lang="es-ES" dirty="0">
+              <a:solidFill>
+                <a:schemeClr val="tx2">
+                  <a:lumMod val="60000"/>
+                  <a:lumOff val="40000"/>
+                </a:schemeClr>
+              </a:solidFill>
+            </a:endParaRPr>
+          </a:p>
+        </p:txBody>
+      </p:sp>
+      <p:pic>
+        <p:nvPicPr>
+          <p:cNvPr id="4" name="Picture 10" descr="Docker Logos | Docker"/>
+          <p:cNvPicPr>
+            <a:picLocks noChangeAspect="1" noChangeArrowheads="1"/>
+          </p:cNvPicPr>
+          <p:nvPr/>
+        </p:nvPicPr>
+        <p:blipFill>
+          <a:blip r:embed="rId2" cstate="print">
+            <a:extLst>
+              <a:ext uri="{28A0092B-C50C-407E-A947-70E740481C1C}">
+                <a14:useLocalDpi xmlns:a14="http://schemas.microsoft.com/office/drawing/2010/main" val="0"/>
+              </a:ext>
+            </a:extLst>
+          </a:blip>
+          <a:srcRect/>
+          <a:stretch>
+            <a:fillRect/>
+          </a:stretch>
+        </p:blipFill>
+        <p:spPr bwMode="auto">
+          <a:xfrm>
+            <a:off x="4307705" y="1315718"/>
+            <a:ext cx="2988387" cy="2556933"/>
+          </a:xfrm>
+          <a:prstGeom prst="rect">
+            <a:avLst/>
+          </a:prstGeom>
+          <a:noFill/>
+          <a:extLst>
+            <a:ext uri="{909E8E84-426E-40DD-AFC4-6F175D3DCCD1}">
+              <a14:hiddenFill xmlns:a14="http://schemas.microsoft.com/office/drawing/2010/main">
+                <a:solidFill>
+                  <a:srgbClr val="FFFFFF"/>
+                </a:solidFill>
+              </a14:hiddenFill>
+            </a:ext>
+          </a:extLst>
+        </p:spPr>
+      </p:pic>
+      <p:pic>
+        <p:nvPicPr>
+          <p:cNvPr id="5" name="Picture 12" descr="JBoss.org UI Design"/>
+          <p:cNvPicPr>
+            <a:picLocks noChangeAspect="1" noChangeArrowheads="1"/>
+          </p:cNvPicPr>
+          <p:nvPr/>
+        </p:nvPicPr>
+        <p:blipFill>
+          <a:blip r:embed="rId3" cstate="print">
+            <a:extLst>
+              <a:ext uri="{28A0092B-C50C-407E-A947-70E740481C1C}">
+                <a14:useLocalDpi xmlns:a14="http://schemas.microsoft.com/office/drawing/2010/main" val="0"/>
+              </a:ext>
+            </a:extLst>
+          </a:blip>
+          <a:srcRect/>
+          <a:stretch>
+            <a:fillRect/>
+          </a:stretch>
+        </p:blipFill>
+        <p:spPr bwMode="auto">
+          <a:xfrm>
+            <a:off x="4559065" y="4955454"/>
+            <a:ext cx="1849204" cy="1386903"/>
+          </a:xfrm>
+          <a:prstGeom prst="rect">
+            <a:avLst/>
+          </a:prstGeom>
+          <a:noFill/>
+          <a:extLst>
+            <a:ext uri="{909E8E84-426E-40DD-AFC4-6F175D3DCCD1}">
+              <a14:hiddenFill xmlns:a14="http://schemas.microsoft.com/office/drawing/2010/main">
+                <a:solidFill>
+                  <a:srgbClr val="FFFFFF"/>
+                </a:solidFill>
+              </a14:hiddenFill>
+            </a:ext>
+          </a:extLst>
+        </p:spPr>
+      </p:pic>
+      <p:pic>
+        <p:nvPicPr>
+          <p:cNvPr id="6" name="Picture 14" descr="Compilando NGINX con modulos adicionales | Sysadmins de Cuba"/>
+          <p:cNvPicPr>
+            <a:picLocks noChangeAspect="1" noChangeArrowheads="1"/>
+          </p:cNvPicPr>
+          <p:nvPr/>
+        </p:nvPicPr>
+        <p:blipFill>
+          <a:blip r:embed="rId4">
+            <a:extLst>
+              <a:ext uri="{28A0092B-C50C-407E-A947-70E740481C1C}">
+                <a14:useLocalDpi xmlns:a14="http://schemas.microsoft.com/office/drawing/2010/main" val="0"/>
+              </a:ext>
+            </a:extLst>
+          </a:blip>
+          <a:srcRect/>
+          <a:stretch>
+            <a:fillRect/>
+          </a:stretch>
+        </p:blipFill>
+        <p:spPr bwMode="auto">
+          <a:xfrm>
+            <a:off x="1725317" y="4266458"/>
+            <a:ext cx="1661405" cy="1661405"/>
+          </a:xfrm>
+          <a:prstGeom prst="rect">
+            <a:avLst/>
+          </a:prstGeom>
+          <a:noFill/>
+          <a:extLst>
+            <a:ext uri="{909E8E84-426E-40DD-AFC4-6F175D3DCCD1}">
+              <a14:hiddenFill xmlns:a14="http://schemas.microsoft.com/office/drawing/2010/main">
+                <a:solidFill>
+                  <a:srgbClr val="FFFFFF"/>
+                </a:solidFill>
+              </a14:hiddenFill>
+            </a:ext>
+          </a:extLst>
+        </p:spPr>
+      </p:pic>
+      <p:pic>
+        <p:nvPicPr>
+          <p:cNvPr id="7" name="Imagen 6"/>
+          <p:cNvPicPr>
+            <a:picLocks noChangeAspect="1"/>
+          </p:cNvPicPr>
+          <p:nvPr/>
+        </p:nvPicPr>
+        <p:blipFill>
+          <a:blip r:embed="rId5">
+            <a:extLst>
+              <a:ext uri="{28A0092B-C50C-407E-A947-70E740481C1C}">
+                <a14:useLocalDpi xmlns:a14="http://schemas.microsoft.com/office/drawing/2010/main" val="0"/>
+              </a:ext>
+            </a:extLst>
+          </a:blip>
+          <a:stretch>
+            <a:fillRect/>
+          </a:stretch>
+        </p:blipFill>
+        <p:spPr>
+          <a:xfrm>
+            <a:off x="159621" y="1796131"/>
+            <a:ext cx="3131392" cy="2076520"/>
+          </a:xfrm>
+          <a:prstGeom prst="rect">
+            <a:avLst/>
+          </a:prstGeom>
+        </p:spPr>
+      </p:pic>
+      <p:pic>
+        <p:nvPicPr>
+          <p:cNvPr id="3076" name="Picture 4" descr="Install and Secure phpMyAdmin on Ubuntu 16.04 VPS | LaptrinhX"/>
+          <p:cNvPicPr>
+            <a:picLocks noChangeAspect="1" noChangeArrowheads="1"/>
+          </p:cNvPicPr>
+          <p:nvPr/>
+        </p:nvPicPr>
+        <p:blipFill>
+          <a:blip r:embed="rId6" cstate="print">
+            <a:extLst>
+              <a:ext uri="{28A0092B-C50C-407E-A947-70E740481C1C}">
+                <a14:useLocalDpi xmlns:a14="http://schemas.microsoft.com/office/drawing/2010/main" val="0"/>
+              </a:ext>
+            </a:extLst>
+          </a:blip>
+          <a:srcRect/>
+          <a:stretch>
+            <a:fillRect/>
+          </a:stretch>
+        </p:blipFill>
+        <p:spPr bwMode="auto">
+          <a:xfrm>
+            <a:off x="7296092" y="4290688"/>
+            <a:ext cx="3732759" cy="1637175"/>
+          </a:xfrm>
+          <a:prstGeom prst="rect">
+            <a:avLst/>
+          </a:prstGeom>
+          <a:noFill/>
+          <a:extLst>
+            <a:ext uri="{909E8E84-426E-40DD-AFC4-6F175D3DCCD1}">
+              <a14:hiddenFill xmlns:a14="http://schemas.microsoft.com/office/drawing/2010/main">
+                <a:solidFill>
+                  <a:srgbClr val="FFFFFF"/>
+                </a:solidFill>
+              </a14:hiddenFill>
+            </a:ext>
+          </a:extLst>
+        </p:spPr>
+      </p:pic>
+      <p:pic>
+        <p:nvPicPr>
+          <p:cNvPr id="8" name="Imagen 7"/>
+          <p:cNvPicPr>
+            <a:picLocks noChangeAspect="1"/>
+          </p:cNvPicPr>
+          <p:nvPr/>
+        </p:nvPicPr>
+        <p:blipFill>
+          <a:blip r:embed="rId7" cstate="print">
+            <a:extLst>
+              <a:ext uri="{28A0092B-C50C-407E-A947-70E740481C1C}">
+                <a14:useLocalDpi xmlns:a14="http://schemas.microsoft.com/office/drawing/2010/main" val="0"/>
+              </a:ext>
+            </a:extLst>
+          </a:blip>
+          <a:stretch>
+            <a:fillRect/>
+          </a:stretch>
+        </p:blipFill>
+        <p:spPr>
+          <a:xfrm>
+            <a:off x="8852645" y="1557198"/>
+            <a:ext cx="2073974" cy="2073974"/>
+          </a:xfrm>
+          <a:prstGeom prst="rect">
+            <a:avLst/>
+          </a:prstGeom>
+        </p:spPr>
+      </p:pic>
+    </p:spTree>
+    <p:extLst>
+      <p:ext uri="{BB962C8B-B14F-4D97-AF65-F5344CB8AC3E}">
+        <p14:creationId xmlns:p14="http://schemas.microsoft.com/office/powerpoint/2010/main" val="3822001676"/>
+      </p:ext>
+    </p:extLst>
+  </p:cSld>
+  <p:clrMapOvr>
+    <a:masterClrMapping/>
+  </p:clrMapOvr>
+  <p:timing>
+    <p:tnLst>
+      <p:par>
+        <p:cTn id="1" dur="indefinite" restart="never" nodeType="tmRoot"/>
+      </p:par>
+    </p:tnLst>
+  </p:timing>
+</p:sld>
+</file>
+
+<file path=ppt/slides/slide12.xml><?xml version="1.0" encoding="utf-8"?>
+<p:sld xmlns:a="http://schemas.openxmlformats.org/drawingml/2006/main" xmlns:r="http://schemas.openxmlformats.org/officeDocument/2006/relationships" xmlns:p="http://schemas.openxmlformats.org/presentationml/2006/main">
+  <p:cSld>
+    <p:spTree>
+      <p:nvGrpSpPr>
+        <p:cNvPr id="1" name=""/>
+        <p:cNvGrpSpPr/>
+        <p:nvPr/>
+      </p:nvGrpSpPr>
+      <p:grpSpPr>
+        <a:xfrm>
+          <a:off x="0" y="0"/>
+          <a:ext cx="0" cy="0"/>
+          <a:chOff x="0" y="0"/>
+          <a:chExt cx="0" cy="0"/>
+        </a:xfrm>
+      </p:grpSpPr>
+      <p:sp>
+        <p:nvSpPr>
+          <p:cNvPr id="2" name="Título 1"/>
+          <p:cNvSpPr>
+            <a:spLocks noGrp="1"/>
+          </p:cNvSpPr>
+          <p:nvPr>
+            <p:ph type="title"/>
+          </p:nvPr>
+        </p:nvSpPr>
+        <p:spPr>
+          <a:xfrm>
             <a:off x="3595332" y="452581"/>
             <a:ext cx="8596668" cy="1320800"/>
           </a:xfrm>
@@ -7013,10 +7451,311 @@
   <p:clrMapOvr>
     <a:masterClrMapping/>
   </p:clrMapOvr>
+  <p:timing>
+    <p:tnLst>
+      <p:par>
+        <p:cTn id="1" dur="indefinite" restart="never" nodeType="tmRoot"/>
+      </p:par>
+    </p:tnLst>
+  </p:timing>
 </p:sld>
 </file>
 
-<file path=ppt/slides/slide12.xml><?xml version="1.0" encoding="utf-8"?>
+<file path=ppt/slides/slide13.xml><?xml version="1.0" encoding="utf-8"?>
+<p:sld xmlns:a="http://schemas.openxmlformats.org/drawingml/2006/main" xmlns:r="http://schemas.openxmlformats.org/officeDocument/2006/relationships" xmlns:p="http://schemas.openxmlformats.org/presentationml/2006/main">
+  <p:cSld>
+    <p:spTree>
+      <p:nvGrpSpPr>
+        <p:cNvPr id="1" name=""/>
+        <p:cNvGrpSpPr/>
+        <p:nvPr/>
+      </p:nvGrpSpPr>
+      <p:grpSpPr>
+        <a:xfrm>
+          <a:off x="0" y="0"/>
+          <a:ext cx="0" cy="0"/>
+          <a:chOff x="0" y="0"/>
+          <a:chExt cx="0" cy="0"/>
+        </a:xfrm>
+      </p:grpSpPr>
+      <p:sp>
+        <p:nvSpPr>
+          <p:cNvPr id="2" name="Título 1"/>
+          <p:cNvSpPr>
+            <a:spLocks noGrp="1"/>
+          </p:cNvSpPr>
+          <p:nvPr>
+            <p:ph type="title"/>
+          </p:nvPr>
+        </p:nvSpPr>
+        <p:spPr/>
+        <p:txBody>
+          <a:bodyPr/>
+          <a:lstStyle/>
+          <a:p>
+            <a:r>
+              <a:rPr lang="es-ES" dirty="0" smtClean="0">
+                <a:solidFill>
+                  <a:schemeClr val="tx2">
+                    <a:lumMod val="60000"/>
+                    <a:lumOff val="40000"/>
+                  </a:schemeClr>
+                </a:solidFill>
+              </a:rPr>
+              <a:t>Mejoras para el futuro</a:t>
+            </a:r>
+            <a:endParaRPr lang="es-ES" dirty="0">
+              <a:solidFill>
+                <a:schemeClr val="tx2">
+                  <a:lumMod val="60000"/>
+                  <a:lumOff val="40000"/>
+                </a:schemeClr>
+              </a:solidFill>
+            </a:endParaRPr>
+          </a:p>
+        </p:txBody>
+      </p:sp>
+      <p:sp>
+        <p:nvSpPr>
+          <p:cNvPr id="4" name="Título 1"/>
+          <p:cNvSpPr txBox="1">
+            <a:spLocks/>
+          </p:cNvSpPr>
+          <p:nvPr/>
+        </p:nvSpPr>
+        <p:spPr>
+          <a:xfrm>
+            <a:off x="677334" y="2159977"/>
+            <a:ext cx="8596668" cy="3924300"/>
+          </a:xfrm>
+          <a:prstGeom prst="rect">
+            <a:avLst/>
+          </a:prstGeom>
+        </p:spPr>
+        <p:txBody>
+          <a:bodyPr vert="horz" lIns="91440" tIns="45720" rIns="91440" bIns="45720" rtlCol="0" anchor="t">
+            <a:normAutofit/>
+          </a:bodyPr>
+          <a:lstStyle>
+            <a:lvl1pPr algn="l" defTabSz="457200" rtl="0" eaLnBrk="1" latinLnBrk="0" hangingPunct="1">
+              <a:spcBef>
+                <a:spcPct val="0"/>
+              </a:spcBef>
+              <a:buNone/>
+              <a:defRPr sz="3600" kern="1200">
+                <a:solidFill>
+                  <a:schemeClr val="accent1"/>
+                </a:solidFill>
+                <a:latin typeface="+mj-lt"/>
+                <a:ea typeface="+mj-ea"/>
+                <a:cs typeface="+mj-cs"/>
+              </a:defRPr>
+            </a:lvl1pPr>
+            <a:lvl2pPr eaLnBrk="1" hangingPunct="1">
+              <a:defRPr>
+                <a:solidFill>
+                  <a:schemeClr val="tx2"/>
+                </a:solidFill>
+              </a:defRPr>
+            </a:lvl2pPr>
+            <a:lvl3pPr eaLnBrk="1" hangingPunct="1">
+              <a:defRPr>
+                <a:solidFill>
+                  <a:schemeClr val="tx2"/>
+                </a:solidFill>
+              </a:defRPr>
+            </a:lvl3pPr>
+            <a:lvl4pPr eaLnBrk="1" hangingPunct="1">
+              <a:defRPr>
+                <a:solidFill>
+                  <a:schemeClr val="tx2"/>
+                </a:solidFill>
+              </a:defRPr>
+            </a:lvl4pPr>
+            <a:lvl5pPr eaLnBrk="1" hangingPunct="1">
+              <a:defRPr>
+                <a:solidFill>
+                  <a:schemeClr val="tx2"/>
+                </a:solidFill>
+              </a:defRPr>
+            </a:lvl5pPr>
+            <a:lvl6pPr eaLnBrk="1" hangingPunct="1">
+              <a:defRPr>
+                <a:solidFill>
+                  <a:schemeClr val="tx2"/>
+                </a:solidFill>
+              </a:defRPr>
+            </a:lvl6pPr>
+            <a:lvl7pPr eaLnBrk="1" hangingPunct="1">
+              <a:defRPr>
+                <a:solidFill>
+                  <a:schemeClr val="tx2"/>
+                </a:solidFill>
+              </a:defRPr>
+            </a:lvl7pPr>
+            <a:lvl8pPr eaLnBrk="1" hangingPunct="1">
+              <a:defRPr>
+                <a:solidFill>
+                  <a:schemeClr val="tx2"/>
+                </a:solidFill>
+              </a:defRPr>
+            </a:lvl8pPr>
+            <a:lvl9pPr eaLnBrk="1" hangingPunct="1">
+              <a:defRPr>
+                <a:solidFill>
+                  <a:schemeClr val="tx2"/>
+                </a:solidFill>
+              </a:defRPr>
+            </a:lvl9pPr>
+          </a:lstStyle>
+          <a:p>
+            <a:r>
+              <a:rPr lang="es-ES" sz="1600" dirty="0" smtClean="0">
+                <a:solidFill>
+                  <a:schemeClr val="tx2">
+                    <a:lumMod val="60000"/>
+                    <a:lumOff val="40000"/>
+                  </a:schemeClr>
+                </a:solidFill>
+              </a:rPr>
+              <a:t>Por </a:t>
+            </a:r>
+            <a:r>
+              <a:rPr lang="es-ES" sz="1600" dirty="0">
+                <a:solidFill>
+                  <a:schemeClr val="tx2">
+                    <a:lumMod val="60000"/>
+                    <a:lumOff val="40000"/>
+                  </a:schemeClr>
+                </a:solidFill>
+              </a:rPr>
+              <a:t>falta de alcance y de tiempo se han quedado en mi mente algunas mejoras que podrían implementarse en un futuro</a:t>
+            </a:r>
+            <a:r>
+              <a:rPr lang="es-ES" sz="1600" dirty="0" smtClean="0">
+                <a:solidFill>
+                  <a:schemeClr val="tx2">
+                    <a:lumMod val="60000"/>
+                    <a:lumOff val="40000"/>
+                  </a:schemeClr>
+                </a:solidFill>
+              </a:rPr>
+              <a:t>:</a:t>
+            </a:r>
+          </a:p>
+          <a:p>
+            <a:endParaRPr lang="es-ES" sz="1600" dirty="0">
+              <a:solidFill>
+                <a:schemeClr val="tx2">
+                  <a:lumMod val="60000"/>
+                  <a:lumOff val="40000"/>
+                </a:schemeClr>
+              </a:solidFill>
+            </a:endParaRPr>
+          </a:p>
+          <a:p>
+            <a:pPr marL="571500" lvl="0" indent="-571500">
+              <a:buFont typeface="Arial" panose="020B0604020202020204" pitchFamily="34" charset="0"/>
+              <a:buChar char="•"/>
+            </a:pPr>
+            <a:r>
+              <a:rPr lang="es-ES" sz="1600" dirty="0">
+                <a:solidFill>
+                  <a:schemeClr val="tx2">
+                    <a:lumMod val="60000"/>
+                    <a:lumOff val="40000"/>
+                  </a:schemeClr>
+                </a:solidFill>
+              </a:rPr>
+              <a:t>Crear una pestaña de gestión de perfil de usuario y añadir una imagen de perfil al usuario.</a:t>
+            </a:r>
+          </a:p>
+          <a:p>
+            <a:r>
+              <a:rPr lang="es-ES" sz="1600" dirty="0">
+                <a:solidFill>
+                  <a:schemeClr val="tx2">
+                    <a:lumMod val="60000"/>
+                    <a:lumOff val="40000"/>
+                  </a:schemeClr>
+                </a:solidFill>
+              </a:rPr>
+              <a:t> </a:t>
+            </a:r>
+          </a:p>
+          <a:p>
+            <a:pPr marL="571500" lvl="0" indent="-571500">
+              <a:buFont typeface="Arial" panose="020B0604020202020204" pitchFamily="34" charset="0"/>
+              <a:buChar char="•"/>
+            </a:pPr>
+            <a:r>
+              <a:rPr lang="es-ES" sz="1600" dirty="0">
+                <a:solidFill>
+                  <a:schemeClr val="tx2">
+                    <a:lumMod val="60000"/>
+                    <a:lumOff val="40000"/>
+                  </a:schemeClr>
+                </a:solidFill>
+              </a:rPr>
+              <a:t>Filtrado en todas las vistas que contienen tablas con datos de tickets / usuarios, por ejemplo, por fecha, nombre de usuario etc.</a:t>
+            </a:r>
+          </a:p>
+          <a:p>
+            <a:r>
+              <a:rPr lang="es-ES" sz="1600" dirty="0">
+                <a:solidFill>
+                  <a:schemeClr val="tx2">
+                    <a:lumMod val="60000"/>
+                    <a:lumOff val="40000"/>
+                  </a:schemeClr>
+                </a:solidFill>
+              </a:rPr>
+              <a:t> </a:t>
+            </a:r>
+          </a:p>
+          <a:p>
+            <a:pPr marL="571500" lvl="0" indent="-571500">
+              <a:buFont typeface="Arial" panose="020B0604020202020204" pitchFamily="34" charset="0"/>
+              <a:buChar char="•"/>
+            </a:pPr>
+            <a:r>
+              <a:rPr lang="es-ES" sz="1600" dirty="0">
+                <a:solidFill>
+                  <a:schemeClr val="tx2">
+                    <a:lumMod val="60000"/>
+                    <a:lumOff val="40000"/>
+                  </a:schemeClr>
+                </a:solidFill>
+              </a:rPr>
+              <a:t>Envío de correos con actualizaciones en el estado de las incidencias.</a:t>
+            </a:r>
+          </a:p>
+          <a:p>
+            <a:endParaRPr lang="es-ES" sz="2000" dirty="0">
+              <a:solidFill>
+                <a:schemeClr val="tx2">
+                  <a:lumMod val="60000"/>
+                  <a:lumOff val="40000"/>
+                </a:schemeClr>
+              </a:solidFill>
+            </a:endParaRPr>
+          </a:p>
+        </p:txBody>
+      </p:sp>
+    </p:spTree>
+    <p:extLst>
+      <p:ext uri="{BB962C8B-B14F-4D97-AF65-F5344CB8AC3E}">
+        <p14:creationId xmlns:p14="http://schemas.microsoft.com/office/powerpoint/2010/main" val="1099062097"/>
+      </p:ext>
+    </p:extLst>
+  </p:cSld>
+  <p:clrMapOvr>
+    <a:masterClrMapping/>
+  </p:clrMapOvr>
+</p:sld>
+</file>
+
+<file path=ppt/slides/slide14.xml><?xml version="1.0" encoding="utf-8"?>
 <p:sld xmlns:a="http://schemas.openxmlformats.org/drawingml/2006/main" xmlns:r="http://schemas.openxmlformats.org/officeDocument/2006/relationships" xmlns:p="http://schemas.openxmlformats.org/presentationml/2006/main">
   <p:cSld>
     <p:spTree>
@@ -7169,6 +7908,13 @@
   <p:clrMapOvr>
     <a:masterClrMapping/>
   </p:clrMapOvr>
+  <p:timing>
+    <p:tnLst>
+      <p:par>
+        <p:cTn id="1" dur="indefinite" restart="never" nodeType="tmRoot"/>
+      </p:par>
+    </p:tnLst>
+  </p:timing>
 </p:sld>
 </file>
 
@@ -9032,7 +9778,12 @@
             <p:ph type="title"/>
           </p:nvPr>
         </p:nvSpPr>
-        <p:spPr/>
+        <p:spPr>
+          <a:xfrm>
+            <a:off x="566497" y="350981"/>
+            <a:ext cx="8596668" cy="1320800"/>
+          </a:xfrm>
+        </p:spPr>
         <p:txBody>
           <a:bodyPr/>
           <a:lstStyle/>
@@ -9046,7 +9797,7 @@
                   </a:schemeClr>
                 </a:solidFill>
               </a:rPr>
-              <a:t>Modelo de la base de datos…</a:t>
+              <a:t>Empezamos a desarrollar… </a:t>
             </a:r>
             <a:endParaRPr lang="es-ES" dirty="0">
               <a:solidFill>
@@ -9059,9 +9810,125 @@
           </a:p>
         </p:txBody>
       </p:sp>
+      <p:sp>
+        <p:nvSpPr>
+          <p:cNvPr id="4" name="Título 1"/>
+          <p:cNvSpPr txBox="1">
+            <a:spLocks/>
+          </p:cNvSpPr>
+          <p:nvPr/>
+        </p:nvSpPr>
+        <p:spPr>
+          <a:xfrm>
+            <a:off x="7350606" y="5934364"/>
+            <a:ext cx="8596668" cy="1320800"/>
+          </a:xfrm>
+          <a:prstGeom prst="rect">
+            <a:avLst/>
+          </a:prstGeom>
+        </p:spPr>
+        <p:txBody>
+          <a:bodyPr vert="horz" lIns="91440" tIns="45720" rIns="91440" bIns="45720" rtlCol="0" anchor="t">
+            <a:normAutofit/>
+          </a:bodyPr>
+          <a:lstStyle>
+            <a:lvl1pPr algn="l" defTabSz="457200" rtl="0" eaLnBrk="1" latinLnBrk="0" hangingPunct="1">
+              <a:spcBef>
+                <a:spcPct val="0"/>
+              </a:spcBef>
+              <a:buNone/>
+              <a:defRPr sz="3600" kern="1200">
+                <a:solidFill>
+                  <a:schemeClr val="accent1"/>
+                </a:solidFill>
+                <a:latin typeface="+mj-lt"/>
+                <a:ea typeface="+mj-ea"/>
+                <a:cs typeface="+mj-cs"/>
+              </a:defRPr>
+            </a:lvl1pPr>
+            <a:lvl2pPr eaLnBrk="1" hangingPunct="1">
+              <a:defRPr>
+                <a:solidFill>
+                  <a:schemeClr val="tx2"/>
+                </a:solidFill>
+              </a:defRPr>
+            </a:lvl2pPr>
+            <a:lvl3pPr eaLnBrk="1" hangingPunct="1">
+              <a:defRPr>
+                <a:solidFill>
+                  <a:schemeClr val="tx2"/>
+                </a:solidFill>
+              </a:defRPr>
+            </a:lvl3pPr>
+            <a:lvl4pPr eaLnBrk="1" hangingPunct="1">
+              <a:defRPr>
+                <a:solidFill>
+                  <a:schemeClr val="tx2"/>
+                </a:solidFill>
+              </a:defRPr>
+            </a:lvl4pPr>
+            <a:lvl5pPr eaLnBrk="1" hangingPunct="1">
+              <a:defRPr>
+                <a:solidFill>
+                  <a:schemeClr val="tx2"/>
+                </a:solidFill>
+              </a:defRPr>
+            </a:lvl5pPr>
+            <a:lvl6pPr eaLnBrk="1" hangingPunct="1">
+              <a:defRPr>
+                <a:solidFill>
+                  <a:schemeClr val="tx2"/>
+                </a:solidFill>
+              </a:defRPr>
+            </a:lvl6pPr>
+            <a:lvl7pPr eaLnBrk="1" hangingPunct="1">
+              <a:defRPr>
+                <a:solidFill>
+                  <a:schemeClr val="tx2"/>
+                </a:solidFill>
+              </a:defRPr>
+            </a:lvl7pPr>
+            <a:lvl8pPr eaLnBrk="1" hangingPunct="1">
+              <a:defRPr>
+                <a:solidFill>
+                  <a:schemeClr val="tx2"/>
+                </a:solidFill>
+              </a:defRPr>
+            </a:lvl8pPr>
+            <a:lvl9pPr eaLnBrk="1" hangingPunct="1">
+              <a:defRPr>
+                <a:solidFill>
+                  <a:schemeClr val="tx2"/>
+                </a:solidFill>
+              </a:defRPr>
+            </a:lvl9pPr>
+          </a:lstStyle>
+          <a:p>
+            <a:r>
+              <a:rPr lang="es-ES" dirty="0" smtClean="0">
+                <a:solidFill>
+                  <a:schemeClr val="tx2">
+                    <a:lumMod val="60000"/>
+                    <a:lumOff val="40000"/>
+                  </a:schemeClr>
+                </a:solidFill>
+              </a:rPr>
+              <a:t>Tenemos 12 vistas</a:t>
+            </a:r>
+            <a:endParaRPr lang="es-ES" dirty="0">
+              <a:solidFill>
+                <a:schemeClr val="tx2">
+                  <a:lumMod val="60000"/>
+                  <a:lumOff val="40000"/>
+                </a:schemeClr>
+              </a:solidFill>
+            </a:endParaRPr>
+          </a:p>
+        </p:txBody>
+      </p:sp>
       <p:pic>
         <p:nvPicPr>
-          <p:cNvPr id="4" name="Imagen 3"/>
+          <p:cNvPr id="5" name="Imagen 4"/>
           <p:cNvPicPr>
             <a:picLocks noChangeAspect="1"/>
           </p:cNvPicPr>
@@ -9075,8 +9942,8 @@
         </p:blipFill>
         <p:spPr>
           <a:xfrm>
-            <a:off x="2558958" y="1774580"/>
-            <a:ext cx="4432568" cy="4259093"/>
+            <a:off x="566497" y="1518084"/>
+            <a:ext cx="2117056" cy="1308244"/>
           </a:xfrm>
           <a:prstGeom prst="rect">
             <a:avLst/>
@@ -9092,21 +9959,39 @@
           <p:nvPr/>
         </p:nvPicPr>
         <p:blipFill>
-          <a:blip r:embed="rId3" cstate="print">
-            <a:extLst>
-              <a:ext uri="{28A0092B-C50C-407E-A947-70E740481C1C}">
-                <a14:useLocalDpi xmlns:a14="http://schemas.microsoft.com/office/drawing/2010/main" val="0"/>
-              </a:ext>
-            </a:extLst>
-          </a:blip>
+          <a:blip r:embed="rId3"/>
           <a:stretch>
             <a:fillRect/>
           </a:stretch>
         </p:blipFill>
         <p:spPr>
-          <a:xfrm rot="1830037">
-            <a:off x="4775241" y="4544291"/>
-            <a:ext cx="2147944" cy="1403927"/>
+          <a:xfrm>
+            <a:off x="3119156" y="1518083"/>
+            <a:ext cx="2022835" cy="1349603"/>
+          </a:xfrm>
+          <a:prstGeom prst="rect">
+            <a:avLst/>
+          </a:prstGeom>
+        </p:spPr>
+      </p:pic>
+      <p:pic>
+        <p:nvPicPr>
+          <p:cNvPr id="7" name="Imagen 6"/>
+          <p:cNvPicPr>
+            <a:picLocks noChangeAspect="1"/>
+          </p:cNvPicPr>
+          <p:nvPr/>
+        </p:nvPicPr>
+        <p:blipFill>
+          <a:blip r:embed="rId4"/>
+          <a:stretch>
+            <a:fillRect/>
+          </a:stretch>
+        </p:blipFill>
+        <p:spPr>
+          <a:xfrm>
+            <a:off x="658861" y="3331588"/>
+            <a:ext cx="2024692" cy="1323686"/>
           </a:xfrm>
           <a:prstGeom prst="rect">
             <a:avLst/>
@@ -9122,21 +10007,15 @@
           <p:nvPr/>
         </p:nvPicPr>
         <p:blipFill>
-          <a:blip r:embed="rId3" cstate="print">
-            <a:extLst>
-              <a:ext uri="{28A0092B-C50C-407E-A947-70E740481C1C}">
-                <a14:useLocalDpi xmlns:a14="http://schemas.microsoft.com/office/drawing/2010/main" val="0"/>
-              </a:ext>
-            </a:extLst>
-          </a:blip>
+          <a:blip r:embed="rId5"/>
           <a:stretch>
             <a:fillRect/>
           </a:stretch>
         </p:blipFill>
         <p:spPr>
           <a:xfrm>
-            <a:off x="4478270" y="3040549"/>
-            <a:ext cx="1837471" cy="1200998"/>
+            <a:off x="3212235" y="3331589"/>
+            <a:ext cx="1929756" cy="1323686"/>
           </a:xfrm>
           <a:prstGeom prst="rect">
             <a:avLst/>
@@ -9152,21 +10031,15 @@
           <p:nvPr/>
         </p:nvPicPr>
         <p:blipFill>
-          <a:blip r:embed="rId3" cstate="print">
-            <a:extLst>
-              <a:ext uri="{28A0092B-C50C-407E-A947-70E740481C1C}">
-                <a14:useLocalDpi xmlns:a14="http://schemas.microsoft.com/office/drawing/2010/main" val="0"/>
-              </a:ext>
-            </a:extLst>
-          </a:blip>
+          <a:blip r:embed="rId6"/>
           <a:stretch>
             <a:fillRect/>
           </a:stretch>
         </p:blipFill>
         <p:spPr>
-          <a:xfrm rot="20380056">
-            <a:off x="2069220" y="4427391"/>
-            <a:ext cx="2044171" cy="1336100"/>
+          <a:xfrm>
+            <a:off x="658861" y="5076467"/>
+            <a:ext cx="2024692" cy="1425071"/>
           </a:xfrm>
           <a:prstGeom prst="rect">
             <a:avLst/>
@@ -9182,61 +10055,269 @@
           <p:nvPr/>
         </p:nvPicPr>
         <p:blipFill>
-          <a:blip r:embed="rId3" cstate="print">
-            <a:extLst>
-              <a:ext uri="{28A0092B-C50C-407E-A947-70E740481C1C}">
-                <a14:useLocalDpi xmlns:a14="http://schemas.microsoft.com/office/drawing/2010/main" val="0"/>
-              </a:ext>
-            </a:extLst>
-          </a:blip>
+          <a:blip r:embed="rId7"/>
           <a:stretch>
             <a:fillRect/>
           </a:stretch>
         </p:blipFill>
         <p:spPr>
-          <a:xfrm rot="19913401">
-            <a:off x="2382983" y="2095911"/>
-            <a:ext cx="2095288" cy="1369511"/>
+          <a:xfrm>
+            <a:off x="3212235" y="5076467"/>
+            <a:ext cx="1974932" cy="1425071"/>
           </a:xfrm>
           <a:prstGeom prst="rect">
             <a:avLst/>
           </a:prstGeom>
         </p:spPr>
       </p:pic>
-      <p:pic>
-        <p:nvPicPr>
-          <p:cNvPr id="11" name="Imagen 10"/>
-          <p:cNvPicPr>
-            <a:picLocks noChangeAspect="1"/>
-          </p:cNvPicPr>
+      <p:sp>
+        <p:nvSpPr>
+          <p:cNvPr id="11" name="Título 1"/>
+          <p:cNvSpPr txBox="1">
+            <a:spLocks/>
+          </p:cNvSpPr>
           <p:nvPr/>
-        </p:nvPicPr>
-        <p:blipFill>
-          <a:blip r:embed="rId3" cstate="print">
-            <a:extLst>
-              <a:ext uri="{28A0092B-C50C-407E-A947-70E740481C1C}">
-                <a14:useLocalDpi xmlns:a14="http://schemas.microsoft.com/office/drawing/2010/main" val="0"/>
-              </a:ext>
-            </a:extLst>
-          </a:blip>
-          <a:stretch>
-            <a:fillRect/>
-          </a:stretch>
-        </p:blipFill>
+        </p:nvSpPr>
         <p:spPr>
           <a:xfrm>
-            <a:off x="5958579" y="1864065"/>
-            <a:ext cx="1799966" cy="1176484"/>
+            <a:off x="6666871" y="1739479"/>
+            <a:ext cx="4982069" cy="3174265"/>
           </a:xfrm>
           <a:prstGeom prst="rect">
             <a:avLst/>
           </a:prstGeom>
         </p:spPr>
-      </p:pic>
+        <p:txBody>
+          <a:bodyPr vert="horz" lIns="91440" tIns="45720" rIns="91440" bIns="45720" rtlCol="0" anchor="t">
+            <a:normAutofit/>
+          </a:bodyPr>
+          <a:lstStyle>
+            <a:lvl1pPr algn="l" defTabSz="457200" rtl="0" eaLnBrk="1" latinLnBrk="0" hangingPunct="1">
+              <a:spcBef>
+                <a:spcPct val="0"/>
+              </a:spcBef>
+              <a:buNone/>
+              <a:defRPr sz="3600" kern="1200">
+                <a:solidFill>
+                  <a:schemeClr val="accent1"/>
+                </a:solidFill>
+                <a:latin typeface="+mj-lt"/>
+                <a:ea typeface="+mj-ea"/>
+                <a:cs typeface="+mj-cs"/>
+              </a:defRPr>
+            </a:lvl1pPr>
+            <a:lvl2pPr eaLnBrk="1" hangingPunct="1">
+              <a:defRPr>
+                <a:solidFill>
+                  <a:schemeClr val="tx2"/>
+                </a:solidFill>
+              </a:defRPr>
+            </a:lvl2pPr>
+            <a:lvl3pPr eaLnBrk="1" hangingPunct="1">
+              <a:defRPr>
+                <a:solidFill>
+                  <a:schemeClr val="tx2"/>
+                </a:solidFill>
+              </a:defRPr>
+            </a:lvl3pPr>
+            <a:lvl4pPr eaLnBrk="1" hangingPunct="1">
+              <a:defRPr>
+                <a:solidFill>
+                  <a:schemeClr val="tx2"/>
+                </a:solidFill>
+              </a:defRPr>
+            </a:lvl4pPr>
+            <a:lvl5pPr eaLnBrk="1" hangingPunct="1">
+              <a:defRPr>
+                <a:solidFill>
+                  <a:schemeClr val="tx2"/>
+                </a:solidFill>
+              </a:defRPr>
+            </a:lvl5pPr>
+            <a:lvl6pPr eaLnBrk="1" hangingPunct="1">
+              <a:defRPr>
+                <a:solidFill>
+                  <a:schemeClr val="tx2"/>
+                </a:solidFill>
+              </a:defRPr>
+            </a:lvl6pPr>
+            <a:lvl7pPr eaLnBrk="1" hangingPunct="1">
+              <a:defRPr>
+                <a:solidFill>
+                  <a:schemeClr val="tx2"/>
+                </a:solidFill>
+              </a:defRPr>
+            </a:lvl7pPr>
+            <a:lvl8pPr eaLnBrk="1" hangingPunct="1">
+              <a:defRPr>
+                <a:solidFill>
+                  <a:schemeClr val="tx2"/>
+                </a:solidFill>
+              </a:defRPr>
+            </a:lvl8pPr>
+            <a:lvl9pPr eaLnBrk="1" hangingPunct="1">
+              <a:defRPr>
+                <a:solidFill>
+                  <a:schemeClr val="tx2"/>
+                </a:solidFill>
+              </a:defRPr>
+            </a:lvl9pPr>
+          </a:lstStyle>
+          <a:p>
+            <a:pPr marL="342900" indent="-342900">
+              <a:buFont typeface="Arial" panose="020B0604020202020204" pitchFamily="34" charset="0"/>
+              <a:buChar char="•"/>
+            </a:pPr>
+            <a:r>
+              <a:rPr lang="es-ES" sz="2000" dirty="0" smtClean="0">
+                <a:solidFill>
+                  <a:schemeClr val="tx2">
+                    <a:lumMod val="60000"/>
+                    <a:lumOff val="40000"/>
+                  </a:schemeClr>
+                </a:solidFill>
+              </a:rPr>
+              <a:t>2 Contenido común</a:t>
+            </a:r>
+          </a:p>
+          <a:p>
+            <a:pPr marL="342900" indent="-342900">
+              <a:buFont typeface="Arial" panose="020B0604020202020204" pitchFamily="34" charset="0"/>
+              <a:buChar char="•"/>
+            </a:pPr>
+            <a:r>
+              <a:rPr lang="es-ES" sz="2000" dirty="0" smtClean="0">
+                <a:solidFill>
+                  <a:schemeClr val="tx2">
+                    <a:lumMod val="60000"/>
+                    <a:lumOff val="40000"/>
+                  </a:schemeClr>
+                </a:solidFill>
+              </a:rPr>
+              <a:t>4 gestión y mantenimiento</a:t>
+            </a:r>
+          </a:p>
+          <a:p>
+            <a:pPr marL="342900" indent="-342900">
+              <a:buFont typeface="Arial" panose="020B0604020202020204" pitchFamily="34" charset="0"/>
+              <a:buChar char="•"/>
+            </a:pPr>
+            <a:r>
+              <a:rPr lang="es-ES" sz="2000" dirty="0" smtClean="0">
+                <a:solidFill>
+                  <a:schemeClr val="tx2">
+                    <a:lumMod val="60000"/>
+                    <a:lumOff val="40000"/>
+                  </a:schemeClr>
+                </a:solidFill>
+              </a:rPr>
+              <a:t>Foro y temas</a:t>
+            </a:r>
+          </a:p>
+          <a:p>
+            <a:pPr marL="342900" indent="-342900">
+              <a:buFont typeface="Arial" panose="020B0604020202020204" pitchFamily="34" charset="0"/>
+              <a:buChar char="•"/>
+            </a:pPr>
+            <a:r>
+              <a:rPr lang="es-ES" sz="2000" dirty="0" smtClean="0">
+                <a:solidFill>
+                  <a:schemeClr val="tx2">
+                    <a:lumMod val="60000"/>
+                    <a:lumOff val="40000"/>
+                  </a:schemeClr>
+                </a:solidFill>
+              </a:rPr>
+              <a:t>Ranking trabajadores</a:t>
+            </a:r>
+          </a:p>
+          <a:p>
+            <a:pPr marL="342900" indent="-342900">
+              <a:buFont typeface="Arial" panose="020B0604020202020204" pitchFamily="34" charset="0"/>
+              <a:buChar char="•"/>
+            </a:pPr>
+            <a:r>
+              <a:rPr lang="es-ES" sz="2000" dirty="0" smtClean="0">
+                <a:solidFill>
+                  <a:schemeClr val="tx2">
+                    <a:lumMod val="60000"/>
+                    <a:lumOff val="40000"/>
+                  </a:schemeClr>
+                </a:solidFill>
+              </a:rPr>
+              <a:t>Log in y registro</a:t>
+            </a:r>
+          </a:p>
+          <a:p>
+            <a:pPr marL="342900" indent="-342900">
+              <a:buFont typeface="Arial" panose="020B0604020202020204" pitchFamily="34" charset="0"/>
+              <a:buChar char="•"/>
+            </a:pPr>
+            <a:r>
+              <a:rPr lang="es-ES" sz="2000" dirty="0" smtClean="0">
+                <a:solidFill>
+                  <a:schemeClr val="tx2">
+                    <a:lumMod val="60000"/>
+                    <a:lumOff val="40000"/>
+                  </a:schemeClr>
+                </a:solidFill>
+              </a:rPr>
+              <a:t>Contacto</a:t>
+            </a:r>
+          </a:p>
+          <a:p>
+            <a:pPr marL="342900" indent="-342900">
+              <a:buFont typeface="Arial" panose="020B0604020202020204" pitchFamily="34" charset="0"/>
+              <a:buChar char="•"/>
+            </a:pPr>
+            <a:r>
+              <a:rPr lang="es-ES" sz="2000" dirty="0" err="1" smtClean="0">
+                <a:solidFill>
+                  <a:schemeClr val="tx2">
+                    <a:lumMod val="60000"/>
+                    <a:lumOff val="40000"/>
+                  </a:schemeClr>
+                </a:solidFill>
+              </a:rPr>
+              <a:t>Navbar</a:t>
+            </a:r>
+            <a:r>
+              <a:rPr lang="es-ES" sz="2000" dirty="0" smtClean="0">
+                <a:solidFill>
+                  <a:schemeClr val="tx2">
+                    <a:lumMod val="60000"/>
+                    <a:lumOff val="40000"/>
+                  </a:schemeClr>
+                </a:solidFill>
+              </a:rPr>
+              <a:t> y </a:t>
+            </a:r>
+            <a:r>
+              <a:rPr lang="es-ES" sz="2000" dirty="0" err="1" smtClean="0">
+                <a:solidFill>
+                  <a:schemeClr val="tx2">
+                    <a:lumMod val="60000"/>
+                    <a:lumOff val="40000"/>
+                  </a:schemeClr>
+                </a:solidFill>
+              </a:rPr>
+              <a:t>footer</a:t>
+            </a:r>
+            <a:endParaRPr lang="es-ES" sz="2000" dirty="0">
+              <a:solidFill>
+                <a:schemeClr val="tx2">
+                  <a:lumMod val="60000"/>
+                  <a:lumOff val="40000"/>
+                </a:schemeClr>
+              </a:solidFill>
+            </a:endParaRPr>
+          </a:p>
+        </p:txBody>
+      </p:sp>
     </p:spTree>
     <p:extLst>
       <p:ext uri="{BB962C8B-B14F-4D97-AF65-F5344CB8AC3E}">
-        <p14:creationId xmlns:p14="http://schemas.microsoft.com/office/powerpoint/2010/main" val="1095484780"/>
+        <p14:creationId xmlns:p14="http://schemas.microsoft.com/office/powerpoint/2010/main" val="286430910"/>
       </p:ext>
     </p:extLst>
   </p:cSld>
@@ -9288,12 +10369,7 @@
             <p:ph type="title"/>
           </p:nvPr>
         </p:nvSpPr>
-        <p:spPr>
-          <a:xfrm>
-            <a:off x="566497" y="350981"/>
-            <a:ext cx="8596668" cy="1320800"/>
-          </a:xfrm>
-        </p:spPr>
+        <p:spPr/>
         <p:txBody>
           <a:bodyPr/>
           <a:lstStyle/>
@@ -9307,7 +10383,7 @@
                   </a:schemeClr>
                 </a:solidFill>
               </a:rPr>
-              <a:t>Empezamos a desarrollar… </a:t>
+              <a:t>Control de acceso por roles de usuario</a:t>
             </a:r>
             <a:endParaRPr lang="es-ES" dirty="0">
               <a:solidFill>
@@ -9320,125 +10396,9 @@
           </a:p>
         </p:txBody>
       </p:sp>
-      <p:sp>
-        <p:nvSpPr>
-          <p:cNvPr id="4" name="Título 1"/>
-          <p:cNvSpPr txBox="1">
-            <a:spLocks/>
-          </p:cNvSpPr>
-          <p:nvPr/>
-        </p:nvSpPr>
-        <p:spPr>
-          <a:xfrm>
-            <a:off x="7350606" y="5934364"/>
-            <a:ext cx="8596668" cy="1320800"/>
-          </a:xfrm>
-          <a:prstGeom prst="rect">
-            <a:avLst/>
-          </a:prstGeom>
-        </p:spPr>
-        <p:txBody>
-          <a:bodyPr vert="horz" lIns="91440" tIns="45720" rIns="91440" bIns="45720" rtlCol="0" anchor="t">
-            <a:normAutofit/>
-          </a:bodyPr>
-          <a:lstStyle>
-            <a:lvl1pPr algn="l" defTabSz="457200" rtl="0" eaLnBrk="1" latinLnBrk="0" hangingPunct="1">
-              <a:spcBef>
-                <a:spcPct val="0"/>
-              </a:spcBef>
-              <a:buNone/>
-              <a:defRPr sz="3600" kern="1200">
-                <a:solidFill>
-                  <a:schemeClr val="accent1"/>
-                </a:solidFill>
-                <a:latin typeface="+mj-lt"/>
-                <a:ea typeface="+mj-ea"/>
-                <a:cs typeface="+mj-cs"/>
-              </a:defRPr>
-            </a:lvl1pPr>
-            <a:lvl2pPr eaLnBrk="1" hangingPunct="1">
-              <a:defRPr>
-                <a:solidFill>
-                  <a:schemeClr val="tx2"/>
-                </a:solidFill>
-              </a:defRPr>
-            </a:lvl2pPr>
-            <a:lvl3pPr eaLnBrk="1" hangingPunct="1">
-              <a:defRPr>
-                <a:solidFill>
-                  <a:schemeClr val="tx2"/>
-                </a:solidFill>
-              </a:defRPr>
-            </a:lvl3pPr>
-            <a:lvl4pPr eaLnBrk="1" hangingPunct="1">
-              <a:defRPr>
-                <a:solidFill>
-                  <a:schemeClr val="tx2"/>
-                </a:solidFill>
-              </a:defRPr>
-            </a:lvl4pPr>
-            <a:lvl5pPr eaLnBrk="1" hangingPunct="1">
-              <a:defRPr>
-                <a:solidFill>
-                  <a:schemeClr val="tx2"/>
-                </a:solidFill>
-              </a:defRPr>
-            </a:lvl5pPr>
-            <a:lvl6pPr eaLnBrk="1" hangingPunct="1">
-              <a:defRPr>
-                <a:solidFill>
-                  <a:schemeClr val="tx2"/>
-                </a:solidFill>
-              </a:defRPr>
-            </a:lvl6pPr>
-            <a:lvl7pPr eaLnBrk="1" hangingPunct="1">
-              <a:defRPr>
-                <a:solidFill>
-                  <a:schemeClr val="tx2"/>
-                </a:solidFill>
-              </a:defRPr>
-            </a:lvl7pPr>
-            <a:lvl8pPr eaLnBrk="1" hangingPunct="1">
-              <a:defRPr>
-                <a:solidFill>
-                  <a:schemeClr val="tx2"/>
-                </a:solidFill>
-              </a:defRPr>
-            </a:lvl8pPr>
-            <a:lvl9pPr eaLnBrk="1" hangingPunct="1">
-              <a:defRPr>
-                <a:solidFill>
-                  <a:schemeClr val="tx2"/>
-                </a:solidFill>
-              </a:defRPr>
-            </a:lvl9pPr>
-          </a:lstStyle>
-          <a:p>
-            <a:r>
-              <a:rPr lang="es-ES" dirty="0" smtClean="0">
-                <a:solidFill>
-                  <a:schemeClr val="tx2">
-                    <a:lumMod val="60000"/>
-                    <a:lumOff val="40000"/>
-                  </a:schemeClr>
-                </a:solidFill>
-              </a:rPr>
-              <a:t>Tenemos 12 vistas</a:t>
-            </a:r>
-            <a:endParaRPr lang="es-ES" dirty="0">
-              <a:solidFill>
-                <a:schemeClr val="tx2">
-                  <a:lumMod val="60000"/>
-                  <a:lumOff val="40000"/>
-                </a:schemeClr>
-              </a:solidFill>
-            </a:endParaRPr>
-          </a:p>
-        </p:txBody>
-      </p:sp>
       <p:pic>
         <p:nvPicPr>
-          <p:cNvPr id="5" name="Imagen 4"/>
+          <p:cNvPr id="4" name="Imagen 3"/>
           <p:cNvPicPr>
             <a:picLocks noChangeAspect="1"/>
           </p:cNvPicPr>
@@ -9452,8 +10412,8 @@
         </p:blipFill>
         <p:spPr>
           <a:xfrm>
-            <a:off x="566497" y="1518084"/>
-            <a:ext cx="2117056" cy="1308244"/>
+            <a:off x="677334" y="1954503"/>
+            <a:ext cx="9190196" cy="354590"/>
           </a:xfrm>
           <a:prstGeom prst="rect">
             <a:avLst/>
@@ -9462,7 +10422,7 @@
       </p:pic>
       <p:pic>
         <p:nvPicPr>
-          <p:cNvPr id="6" name="Imagen 5"/>
+          <p:cNvPr id="5" name="Imagen 4"/>
           <p:cNvPicPr>
             <a:picLocks noChangeAspect="1"/>
           </p:cNvPicPr>
@@ -9476,8 +10436,8 @@
         </p:blipFill>
         <p:spPr>
           <a:xfrm>
-            <a:off x="3119156" y="1518083"/>
-            <a:ext cx="2022835" cy="1349603"/>
+            <a:off x="677334" y="2979740"/>
+            <a:ext cx="9190196" cy="345240"/>
           </a:xfrm>
           <a:prstGeom prst="rect">
             <a:avLst/>
@@ -9486,7 +10446,7 @@
       </p:pic>
       <p:pic>
         <p:nvPicPr>
-          <p:cNvPr id="7" name="Imagen 6"/>
+          <p:cNvPr id="6" name="Imagen 5"/>
           <p:cNvPicPr>
             <a:picLocks noChangeAspect="1"/>
           </p:cNvPicPr>
@@ -9500,8 +10460,8 @@
         </p:blipFill>
         <p:spPr>
           <a:xfrm>
-            <a:off x="658861" y="3331588"/>
-            <a:ext cx="2024692" cy="1323686"/>
+            <a:off x="677334" y="3957038"/>
+            <a:ext cx="9190196" cy="345058"/>
           </a:xfrm>
           <a:prstGeom prst="rect">
             <a:avLst/>
@@ -9510,7 +10470,7 @@
       </p:pic>
       <p:pic>
         <p:nvPicPr>
-          <p:cNvPr id="8" name="Imagen 7"/>
+          <p:cNvPr id="7" name="Imagen 6"/>
           <p:cNvPicPr>
             <a:picLocks noChangeAspect="1"/>
           </p:cNvPicPr>
@@ -9524,8 +10484,8 @@
         </p:blipFill>
         <p:spPr>
           <a:xfrm>
-            <a:off x="3212235" y="3331589"/>
-            <a:ext cx="1929756" cy="1323686"/>
+            <a:off x="677334" y="4825786"/>
+            <a:ext cx="9190196" cy="320419"/>
           </a:xfrm>
           <a:prstGeom prst="rect">
             <a:avLst/>
@@ -9534,7 +10494,7 @@
       </p:pic>
       <p:pic>
         <p:nvPicPr>
-          <p:cNvPr id="9" name="Imagen 8"/>
+          <p:cNvPr id="8" name="Imagen 7"/>
           <p:cNvPicPr>
             <a:picLocks noChangeAspect="1"/>
           </p:cNvPicPr>
@@ -9548,41 +10508,17 @@
         </p:blipFill>
         <p:spPr>
           <a:xfrm>
-            <a:off x="658861" y="5076467"/>
-            <a:ext cx="2024692" cy="1425071"/>
+            <a:off x="677334" y="5700578"/>
+            <a:ext cx="9190196" cy="340378"/>
           </a:xfrm>
           <a:prstGeom prst="rect">
             <a:avLst/>
           </a:prstGeom>
         </p:spPr>
       </p:pic>
-      <p:pic>
-        <p:nvPicPr>
-          <p:cNvPr id="10" name="Imagen 9"/>
-          <p:cNvPicPr>
-            <a:picLocks noChangeAspect="1"/>
-          </p:cNvPicPr>
-          <p:nvPr/>
-        </p:nvPicPr>
-        <p:blipFill>
-          <a:blip r:embed="rId7"/>
-          <a:stretch>
-            <a:fillRect/>
-          </a:stretch>
-        </p:blipFill>
-        <p:spPr>
-          <a:xfrm>
-            <a:off x="3212235" y="5076467"/>
-            <a:ext cx="1974932" cy="1425071"/>
-          </a:xfrm>
-          <a:prstGeom prst="rect">
-            <a:avLst/>
-          </a:prstGeom>
-        </p:spPr>
-      </p:pic>
-      <p:sp>
-        <p:nvSpPr>
-          <p:cNvPr id="11" name="Título 1"/>
+      <p:sp>
+        <p:nvSpPr>
+          <p:cNvPr id="9" name="Título 1"/>
           <p:cNvSpPr txBox="1">
             <a:spLocks/>
           </p:cNvSpPr>
@@ -9590,8 +10526,8 @@
         </p:nvSpPr>
         <p:spPr>
           <a:xfrm>
-            <a:off x="6666871" y="1739479"/>
-            <a:ext cx="4982069" cy="3174265"/>
+            <a:off x="580353" y="1576222"/>
+            <a:ext cx="2781684" cy="521856"/>
           </a:xfrm>
           <a:prstGeom prst="rect">
             <a:avLst/>
@@ -9674,10 +10610,6 @@
             </a:lvl9pPr>
           </a:lstStyle>
           <a:p>
-            <a:pPr marL="342900" indent="-342900">
-              <a:buFont typeface="Arial" panose="020B0604020202020204" pitchFamily="34" charset="0"/>
-              <a:buChar char="•"/>
-            </a:pPr>
             <a:r>
               <a:rPr lang="es-ES" sz="2000" dirty="0" smtClean="0">
                 <a:solidFill>
@@ -9687,131 +10619,7 @@
                   </a:schemeClr>
                 </a:solidFill>
               </a:rPr>
-              <a:t>2 Contenido común</a:t>
-            </a:r>
-          </a:p>
-          <a:p>
-            <a:pPr marL="342900" indent="-342900">
-              <a:buFont typeface="Arial" panose="020B0604020202020204" pitchFamily="34" charset="0"/>
-              <a:buChar char="•"/>
-            </a:pPr>
-            <a:r>
-              <a:rPr lang="es-ES" sz="2000" dirty="0" smtClean="0">
-                <a:solidFill>
-                  <a:schemeClr val="tx2">
-                    <a:lumMod val="60000"/>
-                    <a:lumOff val="40000"/>
-                  </a:schemeClr>
-                </a:solidFill>
-              </a:rPr>
-              <a:t>4 gestión y mantenimiento</a:t>
-            </a:r>
-          </a:p>
-          <a:p>
-            <a:pPr marL="342900" indent="-342900">
-              <a:buFont typeface="Arial" panose="020B0604020202020204" pitchFamily="34" charset="0"/>
-              <a:buChar char="•"/>
-            </a:pPr>
-            <a:r>
-              <a:rPr lang="es-ES" sz="2000" dirty="0" smtClean="0">
-                <a:solidFill>
-                  <a:schemeClr val="tx2">
-                    <a:lumMod val="60000"/>
-                    <a:lumOff val="40000"/>
-                  </a:schemeClr>
-                </a:solidFill>
-              </a:rPr>
-              <a:t>Foro y temas</a:t>
-            </a:r>
-          </a:p>
-          <a:p>
-            <a:pPr marL="342900" indent="-342900">
-              <a:buFont typeface="Arial" panose="020B0604020202020204" pitchFamily="34" charset="0"/>
-              <a:buChar char="•"/>
-            </a:pPr>
-            <a:r>
-              <a:rPr lang="es-ES" sz="2000" dirty="0" smtClean="0">
-                <a:solidFill>
-                  <a:schemeClr val="tx2">
-                    <a:lumMod val="60000"/>
-                    <a:lumOff val="40000"/>
-                  </a:schemeClr>
-                </a:solidFill>
-              </a:rPr>
-              <a:t>Ranking trabajadores</a:t>
-            </a:r>
-          </a:p>
-          <a:p>
-            <a:pPr marL="342900" indent="-342900">
-              <a:buFont typeface="Arial" panose="020B0604020202020204" pitchFamily="34" charset="0"/>
-              <a:buChar char="•"/>
-            </a:pPr>
-            <a:r>
-              <a:rPr lang="es-ES" sz="2000" dirty="0" smtClean="0">
-                <a:solidFill>
-                  <a:schemeClr val="tx2">
-                    <a:lumMod val="60000"/>
-                    <a:lumOff val="40000"/>
-                  </a:schemeClr>
-                </a:solidFill>
-              </a:rPr>
-              <a:t>Log in y registro</a:t>
-            </a:r>
-          </a:p>
-          <a:p>
-            <a:pPr marL="342900" indent="-342900">
-              <a:buFont typeface="Arial" panose="020B0604020202020204" pitchFamily="34" charset="0"/>
-              <a:buChar char="•"/>
-            </a:pPr>
-            <a:r>
-              <a:rPr lang="es-ES" sz="2000" dirty="0" smtClean="0">
-                <a:solidFill>
-                  <a:schemeClr val="tx2">
-                    <a:lumMod val="60000"/>
-                    <a:lumOff val="40000"/>
-                  </a:schemeClr>
-                </a:solidFill>
-              </a:rPr>
-              <a:t>Contacto</a:t>
-            </a:r>
-          </a:p>
-          <a:p>
-            <a:pPr marL="342900" indent="-342900">
-              <a:buFont typeface="Arial" panose="020B0604020202020204" pitchFamily="34" charset="0"/>
-              <a:buChar char="•"/>
-            </a:pPr>
-            <a:r>
-              <a:rPr lang="es-ES" sz="2000" dirty="0" err="1" smtClean="0">
-                <a:solidFill>
-                  <a:schemeClr val="tx2">
-                    <a:lumMod val="60000"/>
-                    <a:lumOff val="40000"/>
-                  </a:schemeClr>
-                </a:solidFill>
-              </a:rPr>
-              <a:t>Navbar</a:t>
-            </a:r>
-            <a:r>
-              <a:rPr lang="es-ES" sz="2000" dirty="0" smtClean="0">
-                <a:solidFill>
-                  <a:schemeClr val="tx2">
-                    <a:lumMod val="60000"/>
-                    <a:lumOff val="40000"/>
-                  </a:schemeClr>
-                </a:solidFill>
-              </a:rPr>
-              <a:t> y </a:t>
-            </a:r>
-            <a:r>
-              <a:rPr lang="es-ES" sz="2000" dirty="0" err="1" smtClean="0">
-                <a:solidFill>
-                  <a:schemeClr val="tx2">
-                    <a:lumMod val="60000"/>
-                    <a:lumOff val="40000"/>
-                  </a:schemeClr>
-                </a:solidFill>
-              </a:rPr>
-              <a:t>footer</a:t>
+              <a:t>Usuario sin registrar</a:t>
             </a:r>
             <a:endParaRPr lang="es-ES" sz="2000" dirty="0">
               <a:solidFill>
@@ -9824,10 +10632,474 @@
           </a:p>
         </p:txBody>
       </p:sp>
+      <p:sp>
+        <p:nvSpPr>
+          <p:cNvPr id="10" name="Título 1"/>
+          <p:cNvSpPr txBox="1">
+            <a:spLocks/>
+          </p:cNvSpPr>
+          <p:nvPr/>
+        </p:nvSpPr>
+        <p:spPr>
+          <a:xfrm>
+            <a:off x="580353" y="2602538"/>
+            <a:ext cx="2781684" cy="521856"/>
+          </a:xfrm>
+          <a:prstGeom prst="rect">
+            <a:avLst/>
+          </a:prstGeom>
+        </p:spPr>
+        <p:txBody>
+          <a:bodyPr vert="horz" lIns="91440" tIns="45720" rIns="91440" bIns="45720" rtlCol="0" anchor="t">
+            <a:normAutofit/>
+          </a:bodyPr>
+          <a:lstStyle>
+            <a:lvl1pPr algn="l" defTabSz="457200" rtl="0" eaLnBrk="1" latinLnBrk="0" hangingPunct="1">
+              <a:spcBef>
+                <a:spcPct val="0"/>
+              </a:spcBef>
+              <a:buNone/>
+              <a:defRPr sz="3600" kern="1200">
+                <a:solidFill>
+                  <a:schemeClr val="accent1"/>
+                </a:solidFill>
+                <a:latin typeface="+mj-lt"/>
+                <a:ea typeface="+mj-ea"/>
+                <a:cs typeface="+mj-cs"/>
+              </a:defRPr>
+            </a:lvl1pPr>
+            <a:lvl2pPr eaLnBrk="1" hangingPunct="1">
+              <a:defRPr>
+                <a:solidFill>
+                  <a:schemeClr val="tx2"/>
+                </a:solidFill>
+              </a:defRPr>
+            </a:lvl2pPr>
+            <a:lvl3pPr eaLnBrk="1" hangingPunct="1">
+              <a:defRPr>
+                <a:solidFill>
+                  <a:schemeClr val="tx2"/>
+                </a:solidFill>
+              </a:defRPr>
+            </a:lvl3pPr>
+            <a:lvl4pPr eaLnBrk="1" hangingPunct="1">
+              <a:defRPr>
+                <a:solidFill>
+                  <a:schemeClr val="tx2"/>
+                </a:solidFill>
+              </a:defRPr>
+            </a:lvl4pPr>
+            <a:lvl5pPr eaLnBrk="1" hangingPunct="1">
+              <a:defRPr>
+                <a:solidFill>
+                  <a:schemeClr val="tx2"/>
+                </a:solidFill>
+              </a:defRPr>
+            </a:lvl5pPr>
+            <a:lvl6pPr eaLnBrk="1" hangingPunct="1">
+              <a:defRPr>
+                <a:solidFill>
+                  <a:schemeClr val="tx2"/>
+                </a:solidFill>
+              </a:defRPr>
+            </a:lvl6pPr>
+            <a:lvl7pPr eaLnBrk="1" hangingPunct="1">
+              <a:defRPr>
+                <a:solidFill>
+                  <a:schemeClr val="tx2"/>
+                </a:solidFill>
+              </a:defRPr>
+            </a:lvl7pPr>
+            <a:lvl8pPr eaLnBrk="1" hangingPunct="1">
+              <a:defRPr>
+                <a:solidFill>
+                  <a:schemeClr val="tx2"/>
+                </a:solidFill>
+              </a:defRPr>
+            </a:lvl8pPr>
+            <a:lvl9pPr eaLnBrk="1" hangingPunct="1">
+              <a:defRPr>
+                <a:solidFill>
+                  <a:schemeClr val="tx2"/>
+                </a:solidFill>
+              </a:defRPr>
+            </a:lvl9pPr>
+          </a:lstStyle>
+          <a:p>
+            <a:r>
+              <a:rPr lang="es-ES" sz="2000" dirty="0" smtClean="0">
+                <a:solidFill>
+                  <a:schemeClr val="tx2">
+                    <a:lumMod val="60000"/>
+                    <a:lumOff val="40000"/>
+                  </a:schemeClr>
+                </a:solidFill>
+              </a:rPr>
+              <a:t>Usuario registrado</a:t>
+            </a:r>
+            <a:endParaRPr lang="es-ES" sz="2000" dirty="0">
+              <a:solidFill>
+                <a:schemeClr val="tx2">
+                  <a:lumMod val="60000"/>
+                  <a:lumOff val="40000"/>
+                </a:schemeClr>
+              </a:solidFill>
+            </a:endParaRPr>
+          </a:p>
+        </p:txBody>
+      </p:sp>
+      <p:sp>
+        <p:nvSpPr>
+          <p:cNvPr id="11" name="Título 1"/>
+          <p:cNvSpPr txBox="1">
+            <a:spLocks/>
+          </p:cNvSpPr>
+          <p:nvPr/>
+        </p:nvSpPr>
+        <p:spPr>
+          <a:xfrm>
+            <a:off x="580353" y="3577534"/>
+            <a:ext cx="2781684" cy="521856"/>
+          </a:xfrm>
+          <a:prstGeom prst="rect">
+            <a:avLst/>
+          </a:prstGeom>
+        </p:spPr>
+        <p:txBody>
+          <a:bodyPr vert="horz" lIns="91440" tIns="45720" rIns="91440" bIns="45720" rtlCol="0" anchor="t">
+            <a:normAutofit/>
+          </a:bodyPr>
+          <a:lstStyle>
+            <a:lvl1pPr algn="l" defTabSz="457200" rtl="0" eaLnBrk="1" latinLnBrk="0" hangingPunct="1">
+              <a:spcBef>
+                <a:spcPct val="0"/>
+              </a:spcBef>
+              <a:buNone/>
+              <a:defRPr sz="3600" kern="1200">
+                <a:solidFill>
+                  <a:schemeClr val="accent1"/>
+                </a:solidFill>
+                <a:latin typeface="+mj-lt"/>
+                <a:ea typeface="+mj-ea"/>
+                <a:cs typeface="+mj-cs"/>
+              </a:defRPr>
+            </a:lvl1pPr>
+            <a:lvl2pPr eaLnBrk="1" hangingPunct="1">
+              <a:defRPr>
+                <a:solidFill>
+                  <a:schemeClr val="tx2"/>
+                </a:solidFill>
+              </a:defRPr>
+            </a:lvl2pPr>
+            <a:lvl3pPr eaLnBrk="1" hangingPunct="1">
+              <a:defRPr>
+                <a:solidFill>
+                  <a:schemeClr val="tx2"/>
+                </a:solidFill>
+              </a:defRPr>
+            </a:lvl3pPr>
+            <a:lvl4pPr eaLnBrk="1" hangingPunct="1">
+              <a:defRPr>
+                <a:solidFill>
+                  <a:schemeClr val="tx2"/>
+                </a:solidFill>
+              </a:defRPr>
+            </a:lvl4pPr>
+            <a:lvl5pPr eaLnBrk="1" hangingPunct="1">
+              <a:defRPr>
+                <a:solidFill>
+                  <a:schemeClr val="tx2"/>
+                </a:solidFill>
+              </a:defRPr>
+            </a:lvl5pPr>
+            <a:lvl6pPr eaLnBrk="1" hangingPunct="1">
+              <a:defRPr>
+                <a:solidFill>
+                  <a:schemeClr val="tx2"/>
+                </a:solidFill>
+              </a:defRPr>
+            </a:lvl6pPr>
+            <a:lvl7pPr eaLnBrk="1" hangingPunct="1">
+              <a:defRPr>
+                <a:solidFill>
+                  <a:schemeClr val="tx2"/>
+                </a:solidFill>
+              </a:defRPr>
+            </a:lvl7pPr>
+            <a:lvl8pPr eaLnBrk="1" hangingPunct="1">
+              <a:defRPr>
+                <a:solidFill>
+                  <a:schemeClr val="tx2"/>
+                </a:solidFill>
+              </a:defRPr>
+            </a:lvl8pPr>
+            <a:lvl9pPr eaLnBrk="1" hangingPunct="1">
+              <a:defRPr>
+                <a:solidFill>
+                  <a:schemeClr val="tx2"/>
+                </a:solidFill>
+              </a:defRPr>
+            </a:lvl9pPr>
+          </a:lstStyle>
+          <a:p>
+            <a:r>
+              <a:rPr lang="es-ES" sz="2000" dirty="0" smtClean="0">
+                <a:solidFill>
+                  <a:schemeClr val="tx2">
+                    <a:lumMod val="60000"/>
+                    <a:lumOff val="40000"/>
+                  </a:schemeClr>
+                </a:solidFill>
+              </a:rPr>
+              <a:t>Operario</a:t>
+            </a:r>
+            <a:endParaRPr lang="es-ES" sz="2000" dirty="0">
+              <a:solidFill>
+                <a:schemeClr val="tx2">
+                  <a:lumMod val="60000"/>
+                  <a:lumOff val="40000"/>
+                </a:schemeClr>
+              </a:solidFill>
+            </a:endParaRPr>
+          </a:p>
+        </p:txBody>
+      </p:sp>
+      <p:sp>
+        <p:nvSpPr>
+          <p:cNvPr id="12" name="Título 1"/>
+          <p:cNvSpPr txBox="1">
+            <a:spLocks/>
+          </p:cNvSpPr>
+          <p:nvPr/>
+        </p:nvSpPr>
+        <p:spPr>
+          <a:xfrm>
+            <a:off x="580353" y="4439837"/>
+            <a:ext cx="2781684" cy="521856"/>
+          </a:xfrm>
+          <a:prstGeom prst="rect">
+            <a:avLst/>
+          </a:prstGeom>
+        </p:spPr>
+        <p:txBody>
+          <a:bodyPr vert="horz" lIns="91440" tIns="45720" rIns="91440" bIns="45720" rtlCol="0" anchor="t">
+            <a:normAutofit/>
+          </a:bodyPr>
+          <a:lstStyle>
+            <a:lvl1pPr algn="l" defTabSz="457200" rtl="0" eaLnBrk="1" latinLnBrk="0" hangingPunct="1">
+              <a:spcBef>
+                <a:spcPct val="0"/>
+              </a:spcBef>
+              <a:buNone/>
+              <a:defRPr sz="3600" kern="1200">
+                <a:solidFill>
+                  <a:schemeClr val="accent1"/>
+                </a:solidFill>
+                <a:latin typeface="+mj-lt"/>
+                <a:ea typeface="+mj-ea"/>
+                <a:cs typeface="+mj-cs"/>
+              </a:defRPr>
+            </a:lvl1pPr>
+            <a:lvl2pPr eaLnBrk="1" hangingPunct="1">
+              <a:defRPr>
+                <a:solidFill>
+                  <a:schemeClr val="tx2"/>
+                </a:solidFill>
+              </a:defRPr>
+            </a:lvl2pPr>
+            <a:lvl3pPr eaLnBrk="1" hangingPunct="1">
+              <a:defRPr>
+                <a:solidFill>
+                  <a:schemeClr val="tx2"/>
+                </a:solidFill>
+              </a:defRPr>
+            </a:lvl3pPr>
+            <a:lvl4pPr eaLnBrk="1" hangingPunct="1">
+              <a:defRPr>
+                <a:solidFill>
+                  <a:schemeClr val="tx2"/>
+                </a:solidFill>
+              </a:defRPr>
+            </a:lvl4pPr>
+            <a:lvl5pPr eaLnBrk="1" hangingPunct="1">
+              <a:defRPr>
+                <a:solidFill>
+                  <a:schemeClr val="tx2"/>
+                </a:solidFill>
+              </a:defRPr>
+            </a:lvl5pPr>
+            <a:lvl6pPr eaLnBrk="1" hangingPunct="1">
+              <a:defRPr>
+                <a:solidFill>
+                  <a:schemeClr val="tx2"/>
+                </a:solidFill>
+              </a:defRPr>
+            </a:lvl6pPr>
+            <a:lvl7pPr eaLnBrk="1" hangingPunct="1">
+              <a:defRPr>
+                <a:solidFill>
+                  <a:schemeClr val="tx2"/>
+                </a:solidFill>
+              </a:defRPr>
+            </a:lvl7pPr>
+            <a:lvl8pPr eaLnBrk="1" hangingPunct="1">
+              <a:defRPr>
+                <a:solidFill>
+                  <a:schemeClr val="tx2"/>
+                </a:solidFill>
+              </a:defRPr>
+            </a:lvl8pPr>
+            <a:lvl9pPr eaLnBrk="1" hangingPunct="1">
+              <a:defRPr>
+                <a:solidFill>
+                  <a:schemeClr val="tx2"/>
+                </a:solidFill>
+              </a:defRPr>
+            </a:lvl9pPr>
+          </a:lstStyle>
+          <a:p>
+            <a:r>
+              <a:rPr lang="es-ES" sz="2000" dirty="0" smtClean="0">
+                <a:solidFill>
+                  <a:schemeClr val="tx2">
+                    <a:lumMod val="60000"/>
+                    <a:lumOff val="40000"/>
+                  </a:schemeClr>
+                </a:solidFill>
+              </a:rPr>
+              <a:t>Gestor</a:t>
+            </a:r>
+            <a:endParaRPr lang="es-ES" sz="2000" dirty="0">
+              <a:solidFill>
+                <a:schemeClr val="tx2">
+                  <a:lumMod val="60000"/>
+                  <a:lumOff val="40000"/>
+                </a:schemeClr>
+              </a:solidFill>
+            </a:endParaRPr>
+          </a:p>
+        </p:txBody>
+      </p:sp>
+      <p:sp>
+        <p:nvSpPr>
+          <p:cNvPr id="13" name="Título 1"/>
+          <p:cNvSpPr txBox="1">
+            <a:spLocks/>
+          </p:cNvSpPr>
+          <p:nvPr/>
+        </p:nvSpPr>
+        <p:spPr>
+          <a:xfrm>
+            <a:off x="580353" y="5348911"/>
+            <a:ext cx="2781684" cy="521856"/>
+          </a:xfrm>
+          <a:prstGeom prst="rect">
+            <a:avLst/>
+          </a:prstGeom>
+        </p:spPr>
+        <p:txBody>
+          <a:bodyPr vert="horz" lIns="91440" tIns="45720" rIns="91440" bIns="45720" rtlCol="0" anchor="t">
+            <a:normAutofit/>
+          </a:bodyPr>
+          <a:lstStyle>
+            <a:lvl1pPr algn="l" defTabSz="457200" rtl="0" eaLnBrk="1" latinLnBrk="0" hangingPunct="1">
+              <a:spcBef>
+                <a:spcPct val="0"/>
+              </a:spcBef>
+              <a:buNone/>
+              <a:defRPr sz="3600" kern="1200">
+                <a:solidFill>
+                  <a:schemeClr val="accent1"/>
+                </a:solidFill>
+                <a:latin typeface="+mj-lt"/>
+                <a:ea typeface="+mj-ea"/>
+                <a:cs typeface="+mj-cs"/>
+              </a:defRPr>
+            </a:lvl1pPr>
+            <a:lvl2pPr eaLnBrk="1" hangingPunct="1">
+              <a:defRPr>
+                <a:solidFill>
+                  <a:schemeClr val="tx2"/>
+                </a:solidFill>
+              </a:defRPr>
+            </a:lvl2pPr>
+            <a:lvl3pPr eaLnBrk="1" hangingPunct="1">
+              <a:defRPr>
+                <a:solidFill>
+                  <a:schemeClr val="tx2"/>
+                </a:solidFill>
+              </a:defRPr>
+            </a:lvl3pPr>
+            <a:lvl4pPr eaLnBrk="1" hangingPunct="1">
+              <a:defRPr>
+                <a:solidFill>
+                  <a:schemeClr val="tx2"/>
+                </a:solidFill>
+              </a:defRPr>
+            </a:lvl4pPr>
+            <a:lvl5pPr eaLnBrk="1" hangingPunct="1">
+              <a:defRPr>
+                <a:solidFill>
+                  <a:schemeClr val="tx2"/>
+                </a:solidFill>
+              </a:defRPr>
+            </a:lvl5pPr>
+            <a:lvl6pPr eaLnBrk="1" hangingPunct="1">
+              <a:defRPr>
+                <a:solidFill>
+                  <a:schemeClr val="tx2"/>
+                </a:solidFill>
+              </a:defRPr>
+            </a:lvl6pPr>
+            <a:lvl7pPr eaLnBrk="1" hangingPunct="1">
+              <a:defRPr>
+                <a:solidFill>
+                  <a:schemeClr val="tx2"/>
+                </a:solidFill>
+              </a:defRPr>
+            </a:lvl7pPr>
+            <a:lvl8pPr eaLnBrk="1" hangingPunct="1">
+              <a:defRPr>
+                <a:solidFill>
+                  <a:schemeClr val="tx2"/>
+                </a:solidFill>
+              </a:defRPr>
+            </a:lvl8pPr>
+            <a:lvl9pPr eaLnBrk="1" hangingPunct="1">
+              <a:defRPr>
+                <a:solidFill>
+                  <a:schemeClr val="tx2"/>
+                </a:solidFill>
+              </a:defRPr>
+            </a:lvl9pPr>
+          </a:lstStyle>
+          <a:p>
+            <a:r>
+              <a:rPr lang="es-ES" sz="2000" dirty="0" smtClean="0">
+                <a:solidFill>
+                  <a:schemeClr val="tx2">
+                    <a:lumMod val="60000"/>
+                    <a:lumOff val="40000"/>
+                  </a:schemeClr>
+                </a:solidFill>
+              </a:rPr>
+              <a:t>Administrador</a:t>
+            </a:r>
+            <a:endParaRPr lang="es-ES" sz="2000" dirty="0">
+              <a:solidFill>
+                <a:schemeClr val="tx2">
+                  <a:lumMod val="60000"/>
+                  <a:lumOff val="40000"/>
+                </a:schemeClr>
+              </a:solidFill>
+            </a:endParaRPr>
+          </a:p>
+        </p:txBody>
+      </p:sp>
     </p:spTree>
     <p:extLst>
       <p:ext uri="{BB962C8B-B14F-4D97-AF65-F5344CB8AC3E}">
-        <p14:creationId xmlns:p14="http://schemas.microsoft.com/office/powerpoint/2010/main" val="286430910"/>
+        <p14:creationId xmlns:p14="http://schemas.microsoft.com/office/powerpoint/2010/main" val="1735779872"/>
       </p:ext>
     </p:extLst>
   </p:cSld>
@@ -9893,7 +11165,7 @@
                   </a:schemeClr>
                 </a:solidFill>
               </a:rPr>
-              <a:t>Control de acceso por roles de usuario</a:t>
+              <a:t>Problemas…</a:t>
             </a:r>
             <a:endParaRPr lang="es-ES" dirty="0">
               <a:solidFill>
@@ -9922,32 +11194,8 @@
         </p:blipFill>
         <p:spPr>
           <a:xfrm>
-            <a:off x="677334" y="1954503"/>
-            <a:ext cx="9190196" cy="354590"/>
-          </a:xfrm>
-          <a:prstGeom prst="rect">
-            <a:avLst/>
-          </a:prstGeom>
-        </p:spPr>
-      </p:pic>
-      <p:pic>
-        <p:nvPicPr>
-          <p:cNvPr id="5" name="Imagen 4"/>
-          <p:cNvPicPr>
-            <a:picLocks noChangeAspect="1"/>
-          </p:cNvPicPr>
-          <p:nvPr/>
-        </p:nvPicPr>
-        <p:blipFill>
-          <a:blip r:embed="rId3"/>
-          <a:stretch>
-            <a:fillRect/>
-          </a:stretch>
-        </p:blipFill>
-        <p:spPr>
-          <a:xfrm>
-            <a:off x="677334" y="2979740"/>
-            <a:ext cx="9190196" cy="345240"/>
+            <a:off x="1169773" y="1844919"/>
+            <a:ext cx="4432568" cy="4259093"/>
           </a:xfrm>
           <a:prstGeom prst="rect">
             <a:avLst/>
@@ -9963,39 +11211,21 @@
           <p:nvPr/>
         </p:nvPicPr>
         <p:blipFill>
-          <a:blip r:embed="rId4"/>
+          <a:blip r:embed="rId3" cstate="print">
+            <a:extLst>
+              <a:ext uri="{28A0092B-C50C-407E-A947-70E740481C1C}">
+                <a14:useLocalDpi xmlns:a14="http://schemas.microsoft.com/office/drawing/2010/main" val="0"/>
+              </a:ext>
+            </a:extLst>
+          </a:blip>
           <a:stretch>
             <a:fillRect/>
           </a:stretch>
         </p:blipFill>
         <p:spPr>
-          <a:xfrm>
-            <a:off x="677334" y="3957038"/>
-            <a:ext cx="9190196" cy="345058"/>
-          </a:xfrm>
-          <a:prstGeom prst="rect">
-            <a:avLst/>
-          </a:prstGeom>
-        </p:spPr>
-      </p:pic>
-      <p:pic>
-        <p:nvPicPr>
-          <p:cNvPr id="7" name="Imagen 6"/>
-          <p:cNvPicPr>
-            <a:picLocks noChangeAspect="1"/>
-          </p:cNvPicPr>
-          <p:nvPr/>
-        </p:nvPicPr>
-        <p:blipFill>
-          <a:blip r:embed="rId5"/>
-          <a:stretch>
-            <a:fillRect/>
-          </a:stretch>
-        </p:blipFill>
-        <p:spPr>
-          <a:xfrm>
-            <a:off x="677334" y="4825786"/>
-            <a:ext cx="9190196" cy="320419"/>
+          <a:xfrm rot="1830037">
+            <a:off x="3386056" y="4614630"/>
+            <a:ext cx="2147944" cy="1403927"/>
           </a:xfrm>
           <a:prstGeom prst="rect">
             <a:avLst/>
@@ -10011,24 +11241,120 @@
           <p:nvPr/>
         </p:nvPicPr>
         <p:blipFill>
-          <a:blip r:embed="rId6"/>
+          <a:blip r:embed="rId3" cstate="print">
+            <a:extLst>
+              <a:ext uri="{28A0092B-C50C-407E-A947-70E740481C1C}">
+                <a14:useLocalDpi xmlns:a14="http://schemas.microsoft.com/office/drawing/2010/main" val="0"/>
+              </a:ext>
+            </a:extLst>
+          </a:blip>
           <a:stretch>
             <a:fillRect/>
           </a:stretch>
         </p:blipFill>
         <p:spPr>
           <a:xfrm>
-            <a:off x="677334" y="5700578"/>
-            <a:ext cx="9190196" cy="340378"/>
+            <a:off x="3089085" y="3110888"/>
+            <a:ext cx="1837471" cy="1200998"/>
           </a:xfrm>
           <a:prstGeom prst="rect">
             <a:avLst/>
           </a:prstGeom>
         </p:spPr>
       </p:pic>
-      <p:sp>
-        <p:nvSpPr>
-          <p:cNvPr id="9" name="Título 1"/>
+      <p:pic>
+        <p:nvPicPr>
+          <p:cNvPr id="9" name="Imagen 8"/>
+          <p:cNvPicPr>
+            <a:picLocks noChangeAspect="1"/>
+          </p:cNvPicPr>
+          <p:nvPr/>
+        </p:nvPicPr>
+        <p:blipFill>
+          <a:blip r:embed="rId3" cstate="print">
+            <a:extLst>
+              <a:ext uri="{28A0092B-C50C-407E-A947-70E740481C1C}">
+                <a14:useLocalDpi xmlns:a14="http://schemas.microsoft.com/office/drawing/2010/main" val="0"/>
+              </a:ext>
+            </a:extLst>
+          </a:blip>
+          <a:stretch>
+            <a:fillRect/>
+          </a:stretch>
+        </p:blipFill>
+        <p:spPr>
+          <a:xfrm rot="20380056">
+            <a:off x="680035" y="4497730"/>
+            <a:ext cx="2044171" cy="1336100"/>
+          </a:xfrm>
+          <a:prstGeom prst="rect">
+            <a:avLst/>
+          </a:prstGeom>
+        </p:spPr>
+      </p:pic>
+      <p:pic>
+        <p:nvPicPr>
+          <p:cNvPr id="10" name="Imagen 9"/>
+          <p:cNvPicPr>
+            <a:picLocks noChangeAspect="1"/>
+          </p:cNvPicPr>
+          <p:nvPr/>
+        </p:nvPicPr>
+        <p:blipFill>
+          <a:blip r:embed="rId3" cstate="print">
+            <a:extLst>
+              <a:ext uri="{28A0092B-C50C-407E-A947-70E740481C1C}">
+                <a14:useLocalDpi xmlns:a14="http://schemas.microsoft.com/office/drawing/2010/main" val="0"/>
+              </a:ext>
+            </a:extLst>
+          </a:blip>
+          <a:stretch>
+            <a:fillRect/>
+          </a:stretch>
+        </p:blipFill>
+        <p:spPr>
+          <a:xfrm rot="19913401">
+            <a:off x="993798" y="2166250"/>
+            <a:ext cx="2095288" cy="1369511"/>
+          </a:xfrm>
+          <a:prstGeom prst="rect">
+            <a:avLst/>
+          </a:prstGeom>
+        </p:spPr>
+      </p:pic>
+      <p:pic>
+        <p:nvPicPr>
+          <p:cNvPr id="11" name="Imagen 10"/>
+          <p:cNvPicPr>
+            <a:picLocks noChangeAspect="1"/>
+          </p:cNvPicPr>
+          <p:nvPr/>
+        </p:nvPicPr>
+        <p:blipFill>
+          <a:blip r:embed="rId3" cstate="print">
+            <a:extLst>
+              <a:ext uri="{28A0092B-C50C-407E-A947-70E740481C1C}">
+                <a14:useLocalDpi xmlns:a14="http://schemas.microsoft.com/office/drawing/2010/main" val="0"/>
+              </a:ext>
+            </a:extLst>
+          </a:blip>
+          <a:stretch>
+            <a:fillRect/>
+          </a:stretch>
+        </p:blipFill>
+        <p:spPr>
+          <a:xfrm>
+            <a:off x="4569394" y="1934404"/>
+            <a:ext cx="1799966" cy="1176484"/>
+          </a:xfrm>
+          <a:prstGeom prst="rect">
+            <a:avLst/>
+          </a:prstGeom>
+        </p:spPr>
+      </p:pic>
+      <p:sp>
+        <p:nvSpPr>
+          <p:cNvPr id="12" name="Título 1"/>
           <p:cNvSpPr txBox="1">
             <a:spLocks/>
           </p:cNvSpPr>
@@ -10036,8 +11362,8 @@
         </p:nvSpPr>
         <p:spPr>
           <a:xfrm>
-            <a:off x="580353" y="1576222"/>
-            <a:ext cx="2781684" cy="521856"/>
+            <a:off x="6369360" y="3634768"/>
+            <a:ext cx="4767569" cy="2403719"/>
           </a:xfrm>
           <a:prstGeom prst="rect">
             <a:avLst/>
@@ -10120,6 +11446,10 @@
             </a:lvl9pPr>
           </a:lstStyle>
           <a:p>
+            <a:pPr marL="342900" indent="-342900">
+              <a:buFont typeface="Arial" panose="020B0604020202020204" pitchFamily="34" charset="0"/>
+              <a:buChar char="•"/>
+            </a:pPr>
             <a:r>
               <a:rPr lang="es-ES" sz="2000" dirty="0" smtClean="0">
                 <a:solidFill>
@@ -10129,7 +11459,75 @@
                   </a:schemeClr>
                 </a:solidFill>
               </a:rPr>
-              <a:t>Usuario sin registrar</a:t>
+              <a:t>BBDD</a:t>
+            </a:r>
+          </a:p>
+          <a:p>
+            <a:pPr marL="342900" indent="-342900">
+              <a:buFont typeface="Arial" panose="020B0604020202020204" pitchFamily="34" charset="0"/>
+              <a:buChar char="•"/>
+            </a:pPr>
+            <a:r>
+              <a:rPr lang="es-ES" sz="2000" dirty="0" smtClean="0">
+                <a:solidFill>
+                  <a:schemeClr val="tx2">
+                    <a:lumMod val="60000"/>
+                    <a:lumOff val="40000"/>
+                  </a:schemeClr>
+                </a:solidFill>
+              </a:rPr>
+              <a:t>Conexión Front-Back CORS</a:t>
+            </a:r>
+          </a:p>
+          <a:p>
+            <a:pPr marL="342900" indent="-342900">
+              <a:buFont typeface="Arial" panose="020B0604020202020204" pitchFamily="34" charset="0"/>
+              <a:buChar char="•"/>
+            </a:pPr>
+            <a:r>
+              <a:rPr lang="es-ES" sz="2000" dirty="0" smtClean="0">
+                <a:solidFill>
+                  <a:schemeClr val="tx2">
+                    <a:lumMod val="60000"/>
+                    <a:lumOff val="40000"/>
+                  </a:schemeClr>
+                </a:solidFill>
+              </a:rPr>
+              <a:t>Conocimiento del flujo de código.</a:t>
+            </a:r>
+          </a:p>
+          <a:p>
+            <a:pPr marL="342900" indent="-342900">
+              <a:buFont typeface="Arial" panose="020B0604020202020204" pitchFamily="34" charset="0"/>
+              <a:buChar char="•"/>
+            </a:pPr>
+            <a:r>
+              <a:rPr lang="es-ES" sz="2000" dirty="0" smtClean="0">
+                <a:solidFill>
+                  <a:schemeClr val="tx2">
+                    <a:lumMod val="60000"/>
+                    <a:lumOff val="40000"/>
+                  </a:schemeClr>
+                </a:solidFill>
+              </a:rPr>
+              <a:t>BBDD</a:t>
+            </a:r>
+          </a:p>
+          <a:p>
+            <a:pPr marL="342900" indent="-342900">
+              <a:buFont typeface="Arial" panose="020B0604020202020204" pitchFamily="34" charset="0"/>
+              <a:buChar char="•"/>
+            </a:pPr>
+            <a:r>
+              <a:rPr lang="es-ES" sz="2000" dirty="0" err="1" smtClean="0">
+                <a:solidFill>
+                  <a:schemeClr val="tx2">
+                    <a:lumMod val="60000"/>
+                    <a:lumOff val="40000"/>
+                  </a:schemeClr>
+                </a:solidFill>
+              </a:rPr>
+              <a:t>Docker</a:t>
             </a:r>
             <a:endParaRPr lang="es-ES" sz="2000" dirty="0">
               <a:solidFill>
@@ -10140,113 +11538,7 @@
               </a:solidFill>
             </a:endParaRPr>
           </a:p>
-        </p:txBody>
-      </p:sp>
-      <p:sp>
-        <p:nvSpPr>
-          <p:cNvPr id="10" name="Título 1"/>
-          <p:cNvSpPr txBox="1">
-            <a:spLocks/>
-          </p:cNvSpPr>
-          <p:nvPr/>
-        </p:nvSpPr>
-        <p:spPr>
-          <a:xfrm>
-            <a:off x="580353" y="2602538"/>
-            <a:ext cx="2781684" cy="521856"/>
-          </a:xfrm>
-          <a:prstGeom prst="rect">
-            <a:avLst/>
-          </a:prstGeom>
-        </p:spPr>
-        <p:txBody>
-          <a:bodyPr vert="horz" lIns="91440" tIns="45720" rIns="91440" bIns="45720" rtlCol="0" anchor="t">
-            <a:normAutofit/>
-          </a:bodyPr>
-          <a:lstStyle>
-            <a:lvl1pPr algn="l" defTabSz="457200" rtl="0" eaLnBrk="1" latinLnBrk="0" hangingPunct="1">
-              <a:spcBef>
-                <a:spcPct val="0"/>
-              </a:spcBef>
-              <a:buNone/>
-              <a:defRPr sz="3600" kern="1200">
-                <a:solidFill>
-                  <a:schemeClr val="accent1"/>
-                </a:solidFill>
-                <a:latin typeface="+mj-lt"/>
-                <a:ea typeface="+mj-ea"/>
-                <a:cs typeface="+mj-cs"/>
-              </a:defRPr>
-            </a:lvl1pPr>
-            <a:lvl2pPr eaLnBrk="1" hangingPunct="1">
-              <a:defRPr>
-                <a:solidFill>
-                  <a:schemeClr val="tx2"/>
-                </a:solidFill>
-              </a:defRPr>
-            </a:lvl2pPr>
-            <a:lvl3pPr eaLnBrk="1" hangingPunct="1">
-              <a:defRPr>
-                <a:solidFill>
-                  <a:schemeClr val="tx2"/>
-                </a:solidFill>
-              </a:defRPr>
-            </a:lvl3pPr>
-            <a:lvl4pPr eaLnBrk="1" hangingPunct="1">
-              <a:defRPr>
-                <a:solidFill>
-                  <a:schemeClr val="tx2"/>
-                </a:solidFill>
-              </a:defRPr>
-            </a:lvl4pPr>
-            <a:lvl5pPr eaLnBrk="1" hangingPunct="1">
-              <a:defRPr>
-                <a:solidFill>
-                  <a:schemeClr val="tx2"/>
-                </a:solidFill>
-              </a:defRPr>
-            </a:lvl5pPr>
-            <a:lvl6pPr eaLnBrk="1" hangingPunct="1">
-              <a:defRPr>
-                <a:solidFill>
-                  <a:schemeClr val="tx2"/>
-                </a:solidFill>
-              </a:defRPr>
-            </a:lvl6pPr>
-            <a:lvl7pPr eaLnBrk="1" hangingPunct="1">
-              <a:defRPr>
-                <a:solidFill>
-                  <a:schemeClr val="tx2"/>
-                </a:solidFill>
-              </a:defRPr>
-            </a:lvl7pPr>
-            <a:lvl8pPr eaLnBrk="1" hangingPunct="1">
-              <a:defRPr>
-                <a:solidFill>
-                  <a:schemeClr val="tx2"/>
-                </a:solidFill>
-              </a:defRPr>
-            </a:lvl8pPr>
-            <a:lvl9pPr eaLnBrk="1" hangingPunct="1">
-              <a:defRPr>
-                <a:solidFill>
-                  <a:schemeClr val="tx2"/>
-                </a:solidFill>
-              </a:defRPr>
-            </a:lvl9pPr>
-          </a:lstStyle>
-          <a:p>
-            <a:r>
-              <a:rPr lang="es-ES" sz="2000" dirty="0" smtClean="0">
-                <a:solidFill>
-                  <a:schemeClr val="tx2">
-                    <a:lumMod val="60000"/>
-                    <a:lumOff val="40000"/>
-                  </a:schemeClr>
-                </a:solidFill>
-              </a:rPr>
-              <a:t>Usuario registrado</a:t>
-            </a:r>
+          <a:p>
             <a:endParaRPr lang="es-ES" sz="2000" dirty="0">
               <a:solidFill>
                 <a:schemeClr val="tx2">
@@ -10258,358 +11550,10 @@
           </a:p>
         </p:txBody>
       </p:sp>
-      <p:sp>
-        <p:nvSpPr>
-          <p:cNvPr id="11" name="Título 1"/>
-          <p:cNvSpPr txBox="1">
-            <a:spLocks/>
-          </p:cNvSpPr>
-          <p:nvPr/>
-        </p:nvSpPr>
-        <p:spPr>
-          <a:xfrm>
-            <a:off x="580353" y="3577534"/>
-            <a:ext cx="2781684" cy="521856"/>
-          </a:xfrm>
-          <a:prstGeom prst="rect">
-            <a:avLst/>
-          </a:prstGeom>
-        </p:spPr>
-        <p:txBody>
-          <a:bodyPr vert="horz" lIns="91440" tIns="45720" rIns="91440" bIns="45720" rtlCol="0" anchor="t">
-            <a:normAutofit/>
-          </a:bodyPr>
-          <a:lstStyle>
-            <a:lvl1pPr algn="l" defTabSz="457200" rtl="0" eaLnBrk="1" latinLnBrk="0" hangingPunct="1">
-              <a:spcBef>
-                <a:spcPct val="0"/>
-              </a:spcBef>
-              <a:buNone/>
-              <a:defRPr sz="3600" kern="1200">
-                <a:solidFill>
-                  <a:schemeClr val="accent1"/>
-                </a:solidFill>
-                <a:latin typeface="+mj-lt"/>
-                <a:ea typeface="+mj-ea"/>
-                <a:cs typeface="+mj-cs"/>
-              </a:defRPr>
-            </a:lvl1pPr>
-            <a:lvl2pPr eaLnBrk="1" hangingPunct="1">
-              <a:defRPr>
-                <a:solidFill>
-                  <a:schemeClr val="tx2"/>
-                </a:solidFill>
-              </a:defRPr>
-            </a:lvl2pPr>
-            <a:lvl3pPr eaLnBrk="1" hangingPunct="1">
-              <a:defRPr>
-                <a:solidFill>
-                  <a:schemeClr val="tx2"/>
-                </a:solidFill>
-              </a:defRPr>
-            </a:lvl3pPr>
-            <a:lvl4pPr eaLnBrk="1" hangingPunct="1">
-              <a:defRPr>
-                <a:solidFill>
-                  <a:schemeClr val="tx2"/>
-                </a:solidFill>
-              </a:defRPr>
-            </a:lvl4pPr>
-            <a:lvl5pPr eaLnBrk="1" hangingPunct="1">
-              <a:defRPr>
-                <a:solidFill>
-                  <a:schemeClr val="tx2"/>
-                </a:solidFill>
-              </a:defRPr>
-            </a:lvl5pPr>
-            <a:lvl6pPr eaLnBrk="1" hangingPunct="1">
-              <a:defRPr>
-                <a:solidFill>
-                  <a:schemeClr val="tx2"/>
-                </a:solidFill>
-              </a:defRPr>
-            </a:lvl6pPr>
-            <a:lvl7pPr eaLnBrk="1" hangingPunct="1">
-              <a:defRPr>
-                <a:solidFill>
-                  <a:schemeClr val="tx2"/>
-                </a:solidFill>
-              </a:defRPr>
-            </a:lvl7pPr>
-            <a:lvl8pPr eaLnBrk="1" hangingPunct="1">
-              <a:defRPr>
-                <a:solidFill>
-                  <a:schemeClr val="tx2"/>
-                </a:solidFill>
-              </a:defRPr>
-            </a:lvl8pPr>
-            <a:lvl9pPr eaLnBrk="1" hangingPunct="1">
-              <a:defRPr>
-                <a:solidFill>
-                  <a:schemeClr val="tx2"/>
-                </a:solidFill>
-              </a:defRPr>
-            </a:lvl9pPr>
-          </a:lstStyle>
-          <a:p>
-            <a:r>
-              <a:rPr lang="es-ES" sz="2000" dirty="0" smtClean="0">
-                <a:solidFill>
-                  <a:schemeClr val="tx2">
-                    <a:lumMod val="60000"/>
-                    <a:lumOff val="40000"/>
-                  </a:schemeClr>
-                </a:solidFill>
-              </a:rPr>
-              <a:t>Operario</a:t>
-            </a:r>
-            <a:endParaRPr lang="es-ES" sz="2000" dirty="0">
-              <a:solidFill>
-                <a:schemeClr val="tx2">
-                  <a:lumMod val="60000"/>
-                  <a:lumOff val="40000"/>
-                </a:schemeClr>
-              </a:solidFill>
-            </a:endParaRPr>
-          </a:p>
-        </p:txBody>
-      </p:sp>
-      <p:sp>
-        <p:nvSpPr>
-          <p:cNvPr id="12" name="Título 1"/>
-          <p:cNvSpPr txBox="1">
-            <a:spLocks/>
-          </p:cNvSpPr>
-          <p:nvPr/>
-        </p:nvSpPr>
-        <p:spPr>
-          <a:xfrm>
-            <a:off x="580353" y="4439837"/>
-            <a:ext cx="2781684" cy="521856"/>
-          </a:xfrm>
-          <a:prstGeom prst="rect">
-            <a:avLst/>
-          </a:prstGeom>
-        </p:spPr>
-        <p:txBody>
-          <a:bodyPr vert="horz" lIns="91440" tIns="45720" rIns="91440" bIns="45720" rtlCol="0" anchor="t">
-            <a:normAutofit/>
-          </a:bodyPr>
-          <a:lstStyle>
-            <a:lvl1pPr algn="l" defTabSz="457200" rtl="0" eaLnBrk="1" latinLnBrk="0" hangingPunct="1">
-              <a:spcBef>
-                <a:spcPct val="0"/>
-              </a:spcBef>
-              <a:buNone/>
-              <a:defRPr sz="3600" kern="1200">
-                <a:solidFill>
-                  <a:schemeClr val="accent1"/>
-                </a:solidFill>
-                <a:latin typeface="+mj-lt"/>
-                <a:ea typeface="+mj-ea"/>
-                <a:cs typeface="+mj-cs"/>
-              </a:defRPr>
-            </a:lvl1pPr>
-            <a:lvl2pPr eaLnBrk="1" hangingPunct="1">
-              <a:defRPr>
-                <a:solidFill>
-                  <a:schemeClr val="tx2"/>
-                </a:solidFill>
-              </a:defRPr>
-            </a:lvl2pPr>
-            <a:lvl3pPr eaLnBrk="1" hangingPunct="1">
-              <a:defRPr>
-                <a:solidFill>
-                  <a:schemeClr val="tx2"/>
-                </a:solidFill>
-              </a:defRPr>
-            </a:lvl3pPr>
-            <a:lvl4pPr eaLnBrk="1" hangingPunct="1">
-              <a:defRPr>
-                <a:solidFill>
-                  <a:schemeClr val="tx2"/>
-                </a:solidFill>
-              </a:defRPr>
-            </a:lvl4pPr>
-            <a:lvl5pPr eaLnBrk="1" hangingPunct="1">
-              <a:defRPr>
-                <a:solidFill>
-                  <a:schemeClr val="tx2"/>
-                </a:solidFill>
-              </a:defRPr>
-            </a:lvl5pPr>
-            <a:lvl6pPr eaLnBrk="1" hangingPunct="1">
-              <a:defRPr>
-                <a:solidFill>
-                  <a:schemeClr val="tx2"/>
-                </a:solidFill>
-              </a:defRPr>
-            </a:lvl6pPr>
-            <a:lvl7pPr eaLnBrk="1" hangingPunct="1">
-              <a:defRPr>
-                <a:solidFill>
-                  <a:schemeClr val="tx2"/>
-                </a:solidFill>
-              </a:defRPr>
-            </a:lvl7pPr>
-            <a:lvl8pPr eaLnBrk="1" hangingPunct="1">
-              <a:defRPr>
-                <a:solidFill>
-                  <a:schemeClr val="tx2"/>
-                </a:solidFill>
-              </a:defRPr>
-            </a:lvl8pPr>
-            <a:lvl9pPr eaLnBrk="1" hangingPunct="1">
-              <a:defRPr>
-                <a:solidFill>
-                  <a:schemeClr val="tx2"/>
-                </a:solidFill>
-              </a:defRPr>
-            </a:lvl9pPr>
-          </a:lstStyle>
-          <a:p>
-            <a:r>
-              <a:rPr lang="es-ES" sz="2000" dirty="0" smtClean="0">
-                <a:solidFill>
-                  <a:schemeClr val="tx2">
-                    <a:lumMod val="60000"/>
-                    <a:lumOff val="40000"/>
-                  </a:schemeClr>
-                </a:solidFill>
-              </a:rPr>
-              <a:t>Gestor</a:t>
-            </a:r>
-            <a:endParaRPr lang="es-ES" sz="2000" dirty="0">
-              <a:solidFill>
-                <a:schemeClr val="tx2">
-                  <a:lumMod val="60000"/>
-                  <a:lumOff val="40000"/>
-                </a:schemeClr>
-              </a:solidFill>
-            </a:endParaRPr>
-          </a:p>
-        </p:txBody>
-      </p:sp>
-      <p:sp>
-        <p:nvSpPr>
-          <p:cNvPr id="13" name="Título 1"/>
-          <p:cNvSpPr txBox="1">
-            <a:spLocks/>
-          </p:cNvSpPr>
-          <p:nvPr/>
-        </p:nvSpPr>
-        <p:spPr>
-          <a:xfrm>
-            <a:off x="580353" y="5348911"/>
-            <a:ext cx="2781684" cy="521856"/>
-          </a:xfrm>
-          <a:prstGeom prst="rect">
-            <a:avLst/>
-          </a:prstGeom>
-        </p:spPr>
-        <p:txBody>
-          <a:bodyPr vert="horz" lIns="91440" tIns="45720" rIns="91440" bIns="45720" rtlCol="0" anchor="t">
-            <a:normAutofit/>
-          </a:bodyPr>
-          <a:lstStyle>
-            <a:lvl1pPr algn="l" defTabSz="457200" rtl="0" eaLnBrk="1" latinLnBrk="0" hangingPunct="1">
-              <a:spcBef>
-                <a:spcPct val="0"/>
-              </a:spcBef>
-              <a:buNone/>
-              <a:defRPr sz="3600" kern="1200">
-                <a:solidFill>
-                  <a:schemeClr val="accent1"/>
-                </a:solidFill>
-                <a:latin typeface="+mj-lt"/>
-                <a:ea typeface="+mj-ea"/>
-                <a:cs typeface="+mj-cs"/>
-              </a:defRPr>
-            </a:lvl1pPr>
-            <a:lvl2pPr eaLnBrk="1" hangingPunct="1">
-              <a:defRPr>
-                <a:solidFill>
-                  <a:schemeClr val="tx2"/>
-                </a:solidFill>
-              </a:defRPr>
-            </a:lvl2pPr>
-            <a:lvl3pPr eaLnBrk="1" hangingPunct="1">
-              <a:defRPr>
-                <a:solidFill>
-                  <a:schemeClr val="tx2"/>
-                </a:solidFill>
-              </a:defRPr>
-            </a:lvl3pPr>
-            <a:lvl4pPr eaLnBrk="1" hangingPunct="1">
-              <a:defRPr>
-                <a:solidFill>
-                  <a:schemeClr val="tx2"/>
-                </a:solidFill>
-              </a:defRPr>
-            </a:lvl4pPr>
-            <a:lvl5pPr eaLnBrk="1" hangingPunct="1">
-              <a:defRPr>
-                <a:solidFill>
-                  <a:schemeClr val="tx2"/>
-                </a:solidFill>
-              </a:defRPr>
-            </a:lvl5pPr>
-            <a:lvl6pPr eaLnBrk="1" hangingPunct="1">
-              <a:defRPr>
-                <a:solidFill>
-                  <a:schemeClr val="tx2"/>
-                </a:solidFill>
-              </a:defRPr>
-            </a:lvl6pPr>
-            <a:lvl7pPr eaLnBrk="1" hangingPunct="1">
-              <a:defRPr>
-                <a:solidFill>
-                  <a:schemeClr val="tx2"/>
-                </a:solidFill>
-              </a:defRPr>
-            </a:lvl7pPr>
-            <a:lvl8pPr eaLnBrk="1" hangingPunct="1">
-              <a:defRPr>
-                <a:solidFill>
-                  <a:schemeClr val="tx2"/>
-                </a:solidFill>
-              </a:defRPr>
-            </a:lvl8pPr>
-            <a:lvl9pPr eaLnBrk="1" hangingPunct="1">
-              <a:defRPr>
-                <a:solidFill>
-                  <a:schemeClr val="tx2"/>
-                </a:solidFill>
-              </a:defRPr>
-            </a:lvl9pPr>
-          </a:lstStyle>
-          <a:p>
-            <a:r>
-              <a:rPr lang="es-ES" sz="2000" dirty="0" smtClean="0">
-                <a:solidFill>
-                  <a:schemeClr val="tx2">
-                    <a:lumMod val="60000"/>
-                    <a:lumOff val="40000"/>
-                  </a:schemeClr>
-                </a:solidFill>
-              </a:rPr>
-              <a:t>Administrador</a:t>
-            </a:r>
-            <a:endParaRPr lang="es-ES" sz="2000" dirty="0">
-              <a:solidFill>
-                <a:schemeClr val="tx2">
-                  <a:lumMod val="60000"/>
-                  <a:lumOff val="40000"/>
-                </a:schemeClr>
-              </a:solidFill>
-            </a:endParaRPr>
-          </a:p>
-        </p:txBody>
-      </p:sp>
     </p:spTree>
     <p:extLst>
       <p:ext uri="{BB962C8B-B14F-4D97-AF65-F5344CB8AC3E}">
-        <p14:creationId xmlns:p14="http://schemas.microsoft.com/office/powerpoint/2010/main" val="1735779872"/>
+        <p14:creationId xmlns:p14="http://schemas.microsoft.com/office/powerpoint/2010/main" val="1095484780"/>
       </p:ext>
     </p:extLst>
   </p:cSld>
